--- a/p/年终总结汇报模板.pptx
+++ b/p/年终总结汇报模板.pptx
@@ -5,16 +5,17 @@
     <p:sldMasterId id="2147483648" r:id="rId1"/>
   </p:sldMasterIdLst>
   <p:notesMasterIdLst>
-    <p:notesMasterId r:id="rId4"/>
+    <p:notesMasterId r:id="rId7"/>
   </p:notesMasterIdLst>
   <p:handoutMasterIdLst>
     <p:handoutMasterId r:id="rId8"/>
   </p:handoutMasterIdLst>
   <p:sldIdLst>
-    <p:sldId id="256" r:id="rId3"/>
-    <p:sldId id="751" r:id="rId5"/>
-    <p:sldId id="746" r:id="rId6"/>
-    <p:sldId id="753" r:id="rId7"/>
+    <p:sldId id="256" r:id="rId2"/>
+    <p:sldId id="751" r:id="rId3"/>
+    <p:sldId id="746" r:id="rId4"/>
+    <p:sldId id="753" r:id="rId5"/>
+    <p:sldId id="754" r:id="rId6"/>
   </p:sldIdLst>
   <p:sldSz cx="9906000" cy="6858000" type="A4"/>
   <p:notesSz cx="9588500" cy="7302500"/>
@@ -214,7 +215,14 @@
         <p:cNvGrpSpPr/>
         <p:nvPr/>
       </p:nvGrpSpPr>
-      <p:grpSpPr/>
+      <p:grpSpPr>
+        <a:xfrm>
+          <a:off x="0" y="0"/>
+          <a:ext cx="0" cy="0"/>
+          <a:chOff x="0" y="0"/>
+          <a:chExt cx="0" cy="0"/>
+        </a:xfrm>
+      </p:grpSpPr>
       <p:sp>
         <p:nvSpPr>
           <p:cNvPr id="129026" name="Rectangle 2"/>
@@ -452,12 +460,15 @@
         </p:spPr>
         <p:txBody>
           <a:bodyPr vert="horz" wrap="square" lIns="90075" tIns="45038" rIns="90075" bIns="45038" numCol="1" anchor="b" anchorCtr="0" compatLnSpc="1"/>
+          <a:lstStyle/>
           <a:p>
             <a:pPr lvl="0" algn="r" defTabSz="901700"/>
             <a:fld id="{9A0DB2DC-4C9A-4742-B13C-FB6460FD3503}" type="slidenum">
               <a:rPr lang="en-GB" altLang="zh-CN" dirty="0">
                 <a:ea typeface="宋体" panose="02010600030101010101" pitchFamily="2" charset="-122"/>
               </a:rPr>
+              <a:pPr lvl="0" algn="r" defTabSz="901700"/>
+              <a:t>‹#›</a:t>
             </a:fld>
             <a:endParaRPr lang="en-GB" altLang="zh-CN" dirty="0">
               <a:ea typeface="宋体" panose="02010600030101010101" pitchFamily="2" charset="-122"/>
@@ -488,7 +499,14 @@
         <p:cNvGrpSpPr/>
         <p:nvPr/>
       </p:nvGrpSpPr>
-      <p:grpSpPr/>
+      <p:grpSpPr>
+        <a:xfrm>
+          <a:off x="0" y="0"/>
+          <a:ext cx="0" cy="0"/>
+          <a:chOff x="0" y="0"/>
+          <a:chExt cx="0" cy="0"/>
+        </a:xfrm>
+      </p:grpSpPr>
       <p:sp>
         <p:nvSpPr>
           <p:cNvPr id="6146" name="Rectangle 2"/>
@@ -727,20 +745,6 @@
               </a:rPr>
               <a:t>Click to edit Master text styles</a:t>
             </a:r>
-            <a:endParaRPr kumimoji="1" lang="en-US" altLang="de-DE" sz="1200" b="0" i="0" u="none" strike="noStrike" kern="1200" cap="none" spc="0" normalizeH="0" baseline="0" noProof="0" smtClean="0">
-              <a:ln>
-                <a:noFill/>
-              </a:ln>
-              <a:solidFill>
-                <a:schemeClr val="tx1"/>
-              </a:solidFill>
-              <a:effectLst/>
-              <a:uLnTx/>
-              <a:uFillTx/>
-              <a:latin typeface="Arial" panose="020B0604020202020204" pitchFamily="34" charset="0"/>
-              <a:ea typeface="宋体" panose="02010600030101010101" pitchFamily="2" charset="-122"/>
-              <a:cs typeface="+mn-cs"/>
-            </a:endParaRPr>
           </a:p>
           <a:p>
             <a:pPr marL="457200" marR="0" lvl="1" indent="0" algn="l" defTabSz="914400" rtl="0" eaLnBrk="0" fontAlgn="base" latinLnBrk="0" hangingPunct="0">
@@ -776,20 +780,6 @@
               </a:rPr>
               <a:t>Second level</a:t>
             </a:r>
-            <a:endParaRPr kumimoji="1" lang="en-US" altLang="de-DE" sz="1200" b="0" i="0" u="none" strike="noStrike" kern="1200" cap="none" spc="0" normalizeH="0" baseline="0" noProof="0" smtClean="0">
-              <a:ln>
-                <a:noFill/>
-              </a:ln>
-              <a:solidFill>
-                <a:schemeClr val="tx1"/>
-              </a:solidFill>
-              <a:effectLst/>
-              <a:uLnTx/>
-              <a:uFillTx/>
-              <a:latin typeface="Arial" panose="020B0604020202020204" pitchFamily="34" charset="0"/>
-              <a:ea typeface="宋体" panose="02010600030101010101" pitchFamily="2" charset="-122"/>
-              <a:cs typeface="+mn-cs"/>
-            </a:endParaRPr>
           </a:p>
           <a:p>
             <a:pPr marL="914400" marR="0" lvl="2" indent="0" algn="l" defTabSz="914400" rtl="0" eaLnBrk="0" fontAlgn="base" latinLnBrk="0" hangingPunct="0">
@@ -825,20 +815,6 @@
               </a:rPr>
               <a:t>Third level</a:t>
             </a:r>
-            <a:endParaRPr kumimoji="1" lang="en-US" altLang="de-DE" sz="1200" b="0" i="0" u="none" strike="noStrike" kern="1200" cap="none" spc="0" normalizeH="0" baseline="0" noProof="0" smtClean="0">
-              <a:ln>
-                <a:noFill/>
-              </a:ln>
-              <a:solidFill>
-                <a:schemeClr val="tx1"/>
-              </a:solidFill>
-              <a:effectLst/>
-              <a:uLnTx/>
-              <a:uFillTx/>
-              <a:latin typeface="Arial" panose="020B0604020202020204" pitchFamily="34" charset="0"/>
-              <a:ea typeface="宋体" panose="02010600030101010101" pitchFamily="2" charset="-122"/>
-              <a:cs typeface="+mn-cs"/>
-            </a:endParaRPr>
           </a:p>
           <a:p>
             <a:pPr marL="1371600" marR="0" lvl="3" indent="0" algn="l" defTabSz="914400" rtl="0" eaLnBrk="0" fontAlgn="base" latinLnBrk="0" hangingPunct="0">
@@ -874,20 +850,6 @@
               </a:rPr>
               <a:t>Fourth level</a:t>
             </a:r>
-            <a:endParaRPr kumimoji="1" lang="en-US" altLang="de-DE" sz="1200" b="0" i="0" u="none" strike="noStrike" kern="1200" cap="none" spc="0" normalizeH="0" baseline="0" noProof="0" smtClean="0">
-              <a:ln>
-                <a:noFill/>
-              </a:ln>
-              <a:solidFill>
-                <a:schemeClr val="tx1"/>
-              </a:solidFill>
-              <a:effectLst/>
-              <a:uLnTx/>
-              <a:uFillTx/>
-              <a:latin typeface="Arial" panose="020B0604020202020204" pitchFamily="34" charset="0"/>
-              <a:ea typeface="宋体" panose="02010600030101010101" pitchFamily="2" charset="-122"/>
-              <a:cs typeface="+mn-cs"/>
-            </a:endParaRPr>
           </a:p>
           <a:p>
             <a:pPr marL="1828800" marR="0" lvl="4" indent="0" algn="l" defTabSz="914400" rtl="0" eaLnBrk="0" fontAlgn="base" latinLnBrk="0" hangingPunct="0">
@@ -923,20 +885,6 @@
               </a:rPr>
               <a:t>Fifth level</a:t>
             </a:r>
-            <a:endParaRPr kumimoji="1" lang="en-US" altLang="de-DE" sz="1200" b="0" i="0" u="none" strike="noStrike" kern="1200" cap="none" spc="0" normalizeH="0" baseline="0" noProof="0" smtClean="0">
-              <a:ln>
-                <a:noFill/>
-              </a:ln>
-              <a:solidFill>
-                <a:schemeClr val="tx1"/>
-              </a:solidFill>
-              <a:effectLst/>
-              <a:uLnTx/>
-              <a:uFillTx/>
-              <a:latin typeface="Arial" panose="020B0604020202020204" pitchFamily="34" charset="0"/>
-              <a:ea typeface="宋体" panose="02010600030101010101" pitchFamily="2" charset="-122"/>
-              <a:cs typeface="+mn-cs"/>
-            </a:endParaRPr>
           </a:p>
         </p:txBody>
       </p:sp>
@@ -1040,6 +988,7 @@
         </p:spPr>
         <p:txBody>
           <a:bodyPr vert="horz" wrap="square" lIns="90075" tIns="45038" rIns="90075" bIns="45038" numCol="1" anchor="b" anchorCtr="0" compatLnSpc="1"/>
+          <a:lstStyle/>
           <a:p>
             <a:pPr lvl="0" algn="r" defTabSz="901700"/>
             <a:fld id="{9A0DB2DC-4C9A-4742-B13C-FB6460FD3503}" type="slidenum">
@@ -1049,6 +998,8 @@
                 </a:solidFill>
                 <a:ea typeface="宋体" panose="02010600030101010101" pitchFamily="2" charset="-122"/>
               </a:rPr>
+              <a:pPr lvl="0" algn="r" defTabSz="901700"/>
+              <a:t>‹#›</a:t>
             </a:fld>
             <a:endParaRPr lang="de-DE" altLang="de-DE" b="0" dirty="0">
               <a:solidFill>
@@ -1197,7 +1148,14 @@
         <p:cNvGrpSpPr/>
         <p:nvPr/>
       </p:nvGrpSpPr>
-      <p:grpSpPr/>
+      <p:grpSpPr>
+        <a:xfrm>
+          <a:off x="0" y="0"/>
+          <a:ext cx="0" cy="0"/>
+          <a:chOff x="0" y="0"/>
+          <a:chExt cx="0" cy="0"/>
+        </a:xfrm>
+      </p:grpSpPr>
       <p:sp>
         <p:nvSpPr>
           <p:cNvPr id="13314" name="幻灯片图像占位符 1"/>
@@ -1227,6 +1185,7 @@
         </p:spPr>
         <p:txBody>
           <a:bodyPr wrap="square" lIns="90075" tIns="45038" rIns="90075" bIns="45038" anchor="t"/>
+          <a:lstStyle/>
           <a:p>
             <a:pPr lvl="0"/>
             <a:endParaRPr lang="zh-CN" altLang="en-US" dirty="0"/>
@@ -1258,6 +1217,7 @@
         </p:spPr>
         <p:txBody>
           <a:bodyPr lIns="90075" tIns="45038" rIns="90075" bIns="45038" anchor="b"/>
+          <a:lstStyle/>
           <a:p>
             <a:pPr lvl="0" algn="r" defTabSz="901700"/>
             <a:fld id="{9A0DB2DC-4C9A-4742-B13C-FB6460FD3503}" type="slidenum">
@@ -1267,6 +1227,8 @@
                 </a:solidFill>
                 <a:ea typeface="宋体" panose="02010600030101010101" pitchFamily="2" charset="-122"/>
               </a:rPr>
+              <a:pPr lvl="0" algn="r" defTabSz="901700"/>
+              <a:t>0</a:t>
             </a:fld>
             <a:endParaRPr lang="de-DE" altLang="de-DE" b="0" dirty="0">
               <a:solidFill>
@@ -1286,7 +1248,7 @@
 </file>
 
 <file path=ppt/slideLayouts/slideLayout1.xml><?xml version="1.0" encoding="utf-8"?>
-<p:sldLayout xmlns:a="http://schemas.openxmlformats.org/drawingml/2006/main" xmlns:r="http://schemas.openxmlformats.org/officeDocument/2006/relationships" xmlns:p="http://schemas.openxmlformats.org/presentationml/2006/main" type="title" preserve="1" showMasterSp="0">
+<p:sldLayout xmlns:a="http://schemas.openxmlformats.org/drawingml/2006/main" xmlns:r="http://schemas.openxmlformats.org/officeDocument/2006/relationships" xmlns:p="http://schemas.openxmlformats.org/presentationml/2006/main" showMasterSp="0" type="title" preserve="1">
   <p:cSld name="标题幻灯片">
     <p:bg>
       <p:bgPr>
@@ -1337,6 +1299,7 @@
           <a:bodyPr lIns="90488" tIns="44450" rIns="90488" bIns="44450">
             <a:spAutoFit/>
           </a:bodyPr>
+          <a:lstStyle/>
           <a:p>
             <a:pPr lvl="0"/>
             <a:r>
@@ -1373,6 +1336,8 @@
                 </a:solidFill>
                 <a:ea typeface="宋体" panose="02010600030101010101" pitchFamily="2" charset="-122"/>
               </a:rPr>
+              <a:pPr lvl="0"/>
+              <a:t>‹#›</a:t>
             </a:fld>
             <a:endParaRPr lang="en-US" altLang="zh-CN" sz="1100" b="0" dirty="0">
               <a:solidFill>
@@ -1416,7 +1381,6 @@
               <a:rPr lang="de-DE" altLang="de-DE" dirty="0"/>
               <a:t>A.	Klicken Sie, um das Format des Titel-Masters zu 	bearbeiten.</a:t>
             </a:r>
-            <a:endParaRPr lang="de-DE" altLang="de-DE" dirty="0"/>
           </a:p>
         </p:txBody>
       </p:sp>
@@ -1698,7 +1662,7 @@
           <p:nvPr userDrawn="1"/>
         </p:nvPicPr>
         <p:blipFill>
-          <a:blip r:embed="rId2"/>
+          <a:blip r:embed="rId2" cstate="print"/>
           <a:stretch>
             <a:fillRect/>
           </a:stretch>
@@ -1819,6 +1783,7 @@
           <a:bodyPr lIns="90488" tIns="44450" rIns="90488" bIns="44450">
             <a:spAutoFit/>
           </a:bodyPr>
+          <a:lstStyle/>
           <a:p>
             <a:pPr lvl="0"/>
             <a:r>
@@ -1837,6 +1802,8 @@
                 </a:solidFill>
                 <a:ea typeface="宋体" panose="02010600030101010101" pitchFamily="2" charset="-122"/>
               </a:rPr>
+              <a:pPr lvl="0"/>
+              <a:t>‹#›</a:t>
             </a:fld>
             <a:r>
               <a:rPr lang="en-US" altLang="zh-CN" sz="1400" b="0" dirty="0">
@@ -1890,7 +1857,6 @@
               <a:rPr lang="zh-CN" altLang="en-US" dirty="0" smtClean="0"/>
               <a:t>单击此处编辑母版文本样式</a:t>
             </a:r>
-            <a:endParaRPr lang="zh-CN" altLang="en-US" dirty="0" smtClean="0"/>
           </a:p>
           <a:p>
             <a:pPr lvl="1"/>
@@ -1898,7 +1864,6 @@
               <a:rPr lang="zh-CN" altLang="en-US" dirty="0" smtClean="0"/>
               <a:t>第二级</a:t>
             </a:r>
-            <a:endParaRPr lang="zh-CN" altLang="en-US" dirty="0" smtClean="0"/>
           </a:p>
           <a:p>
             <a:pPr lvl="2"/>
@@ -1906,7 +1871,6 @@
               <a:rPr lang="zh-CN" altLang="en-US" dirty="0" smtClean="0"/>
               <a:t>第三级</a:t>
             </a:r>
-            <a:endParaRPr lang="zh-CN" altLang="en-US" dirty="0" smtClean="0"/>
           </a:p>
           <a:p>
             <a:pPr lvl="3"/>
@@ -1914,7 +1878,6 @@
               <a:rPr lang="zh-CN" altLang="en-US" dirty="0" smtClean="0"/>
               <a:t>第四级</a:t>
             </a:r>
-            <a:endParaRPr lang="zh-CN" altLang="en-US" dirty="0" smtClean="0"/>
           </a:p>
           <a:p>
             <a:pPr lvl="4"/>
@@ -2009,6 +1972,7 @@
           <a:bodyPr lIns="90488" tIns="44450" rIns="90488" bIns="44450">
             <a:spAutoFit/>
           </a:bodyPr>
+          <a:lstStyle/>
           <a:p>
             <a:pPr lvl="0"/>
             <a:r>
@@ -2036,6 +2000,8 @@
                 </a:solidFill>
                 <a:ea typeface="宋体" panose="02010600030101010101" pitchFamily="2" charset="-122"/>
               </a:rPr>
+              <a:pPr lvl="0"/>
+              <a:t>‹#›</a:t>
             </a:fld>
             <a:r>
               <a:rPr lang="en-US" altLang="zh-CN" sz="1400" b="0" dirty="0">
@@ -2158,7 +2124,6 @@
               <a:rPr lang="zh-CN" altLang="en-US" smtClean="0"/>
               <a:t>单击此处编辑母版文本样式</a:t>
             </a:r>
-            <a:endParaRPr lang="zh-CN" altLang="en-US" smtClean="0"/>
           </a:p>
         </p:txBody>
       </p:sp>
@@ -2215,7 +2180,6 @@
               <a:rPr lang="zh-CN" altLang="en-US" smtClean="0"/>
               <a:t>单击此处编辑母版文本样式</a:t>
             </a:r>
-            <a:endParaRPr lang="zh-CN" altLang="en-US" smtClean="0"/>
           </a:p>
           <a:p>
             <a:pPr lvl="1"/>
@@ -2223,7 +2187,6 @@
               <a:rPr lang="zh-CN" altLang="en-US" smtClean="0"/>
               <a:t>第二级</a:t>
             </a:r>
-            <a:endParaRPr lang="zh-CN" altLang="en-US" smtClean="0"/>
           </a:p>
           <a:p>
             <a:pPr lvl="2"/>
@@ -2231,7 +2194,6 @@
               <a:rPr lang="zh-CN" altLang="en-US" smtClean="0"/>
               <a:t>第三级</a:t>
             </a:r>
-            <a:endParaRPr lang="zh-CN" altLang="en-US" smtClean="0"/>
           </a:p>
           <a:p>
             <a:pPr lvl="3"/>
@@ -2239,7 +2201,6 @@
               <a:rPr lang="zh-CN" altLang="en-US" smtClean="0"/>
               <a:t>第四级</a:t>
             </a:r>
-            <a:endParaRPr lang="zh-CN" altLang="en-US" smtClean="0"/>
           </a:p>
           <a:p>
             <a:pPr lvl="4"/>
@@ -2313,7 +2274,6 @@
               <a:rPr lang="zh-CN" altLang="en-US" smtClean="0"/>
               <a:t>单击此处编辑母版文本样式</a:t>
             </a:r>
-            <a:endParaRPr lang="zh-CN" altLang="en-US" smtClean="0"/>
           </a:p>
         </p:txBody>
       </p:sp>
@@ -2370,7 +2330,6 @@
               <a:rPr lang="zh-CN" altLang="en-US" smtClean="0"/>
               <a:t>单击此处编辑母版文本样式</a:t>
             </a:r>
-            <a:endParaRPr lang="zh-CN" altLang="en-US" smtClean="0"/>
           </a:p>
           <a:p>
             <a:pPr lvl="1"/>
@@ -2378,7 +2337,6 @@
               <a:rPr lang="zh-CN" altLang="en-US" smtClean="0"/>
               <a:t>第二级</a:t>
             </a:r>
-            <a:endParaRPr lang="zh-CN" altLang="en-US" smtClean="0"/>
           </a:p>
           <a:p>
             <a:pPr lvl="2"/>
@@ -2386,7 +2344,6 @@
               <a:rPr lang="zh-CN" altLang="en-US" smtClean="0"/>
               <a:t>第三级</a:t>
             </a:r>
-            <a:endParaRPr lang="zh-CN" altLang="en-US" smtClean="0"/>
           </a:p>
           <a:p>
             <a:pPr lvl="3"/>
@@ -2394,7 +2351,6 @@
               <a:rPr lang="zh-CN" altLang="en-US" smtClean="0"/>
               <a:t>第四级</a:t>
             </a:r>
-            <a:endParaRPr lang="zh-CN" altLang="en-US" smtClean="0"/>
           </a:p>
           <a:p>
             <a:pPr lvl="4"/>
@@ -2684,6 +2640,7 @@
           <a:bodyPr lIns="90488" tIns="44450" rIns="90488" bIns="44450">
             <a:spAutoFit/>
           </a:bodyPr>
+          <a:lstStyle/>
           <a:p>
             <a:pPr lvl="0"/>
             <a:r>
@@ -2702,6 +2659,8 @@
                 </a:solidFill>
                 <a:ea typeface="宋体" panose="02010600030101010101" pitchFamily="2" charset="-122"/>
               </a:rPr>
+              <a:pPr lvl="0"/>
+              <a:t>‹#›</a:t>
             </a:fld>
             <a:r>
               <a:rPr lang="en-US" altLang="zh-CN" sz="1400" b="0" dirty="0">
@@ -2755,7 +2714,6 @@
               <a:rPr lang="zh-CN" altLang="en-US" smtClean="0"/>
               <a:t>单击此处编辑母版文本样式</a:t>
             </a:r>
-            <a:endParaRPr lang="zh-CN" altLang="en-US" smtClean="0"/>
           </a:p>
           <a:p>
             <a:pPr lvl="1"/>
@@ -2763,7 +2721,6 @@
               <a:rPr lang="zh-CN" altLang="en-US" smtClean="0"/>
               <a:t>第二级</a:t>
             </a:r>
-            <a:endParaRPr lang="zh-CN" altLang="en-US" smtClean="0"/>
           </a:p>
           <a:p>
             <a:pPr lvl="2"/>
@@ -2771,7 +2728,6 @@
               <a:rPr lang="zh-CN" altLang="en-US" smtClean="0"/>
               <a:t>第三级</a:t>
             </a:r>
-            <a:endParaRPr lang="zh-CN" altLang="en-US" smtClean="0"/>
           </a:p>
           <a:p>
             <a:pPr lvl="3"/>
@@ -2779,7 +2735,6 @@
               <a:rPr lang="zh-CN" altLang="en-US" smtClean="0"/>
               <a:t>第四级</a:t>
             </a:r>
-            <a:endParaRPr lang="zh-CN" altLang="en-US" smtClean="0"/>
           </a:p>
           <a:p>
             <a:pPr lvl="4"/>
@@ -2851,6 +2806,7 @@
           <a:bodyPr lIns="90488" tIns="44450" rIns="90488" bIns="44450">
             <a:spAutoFit/>
           </a:bodyPr>
+          <a:lstStyle/>
           <a:p>
             <a:pPr lvl="0"/>
             <a:r>
@@ -2869,6 +2825,8 @@
                 </a:solidFill>
                 <a:ea typeface="宋体" panose="02010600030101010101" pitchFamily="2" charset="-122"/>
               </a:rPr>
+              <a:pPr lvl="0"/>
+              <a:t>‹#›</a:t>
             </a:fld>
             <a:r>
               <a:rPr lang="en-US" altLang="zh-CN" sz="1400" b="0" dirty="0">
@@ -3258,7 +3216,7 @@
           <p:nvPr userDrawn="1"/>
         </p:nvPicPr>
         <p:blipFill>
-          <a:blip r:embed="rId2"/>
+          <a:blip r:embed="rId2" cstate="print"/>
           <a:stretch>
             <a:fillRect/>
           </a:stretch>
@@ -3379,6 +3337,7 @@
           <a:bodyPr lIns="90488" tIns="44450" rIns="90488" bIns="44450">
             <a:spAutoFit/>
           </a:bodyPr>
+          <a:lstStyle/>
           <a:p>
             <a:pPr lvl="0"/>
             <a:r>
@@ -3397,6 +3356,8 @@
                 </a:solidFill>
                 <a:ea typeface="宋体" panose="02010600030101010101" pitchFamily="2" charset="-122"/>
               </a:rPr>
+              <a:pPr lvl="0"/>
+              <a:t>‹#›</a:t>
             </a:fld>
             <a:r>
               <a:rPr lang="en-US" altLang="zh-CN" sz="1400" b="0" dirty="0">
@@ -3450,7 +3411,6 @@
               <a:rPr lang="zh-CN" altLang="en-US" dirty="0" smtClean="0"/>
               <a:t>单击此处编辑母版文本样式</a:t>
             </a:r>
-            <a:endParaRPr lang="zh-CN" altLang="en-US" dirty="0" smtClean="0"/>
           </a:p>
           <a:p>
             <a:pPr lvl="1"/>
@@ -3458,7 +3418,6 @@
               <a:rPr lang="zh-CN" altLang="en-US" dirty="0" smtClean="0"/>
               <a:t>第二级</a:t>
             </a:r>
-            <a:endParaRPr lang="zh-CN" altLang="en-US" dirty="0" smtClean="0"/>
           </a:p>
           <a:p>
             <a:pPr lvl="2"/>
@@ -3466,7 +3425,6 @@
               <a:rPr lang="zh-CN" altLang="en-US" dirty="0" smtClean="0"/>
               <a:t>第三级</a:t>
             </a:r>
-            <a:endParaRPr lang="zh-CN" altLang="en-US" dirty="0" smtClean="0"/>
           </a:p>
           <a:p>
             <a:pPr lvl="3"/>
@@ -3474,7 +3432,6 @@
               <a:rPr lang="zh-CN" altLang="en-US" dirty="0" smtClean="0"/>
               <a:t>第四级</a:t>
             </a:r>
-            <a:endParaRPr lang="zh-CN" altLang="en-US" dirty="0" smtClean="0"/>
           </a:p>
           <a:p>
             <a:pPr lvl="4"/>
@@ -3511,7 +3468,14 @@
         <p:cNvGrpSpPr/>
         <p:nvPr/>
       </p:nvGrpSpPr>
-      <p:grpSpPr/>
+      <p:grpSpPr>
+        <a:xfrm>
+          <a:off x="0" y="0"/>
+          <a:ext cx="0" cy="0"/>
+          <a:chOff x="0" y="0"/>
+          <a:chExt cx="0" cy="0"/>
+        </a:xfrm>
+      </p:grpSpPr>
       <p:sp>
         <p:nvSpPr>
           <p:cNvPr id="1026" name="Rectangle 101"/>
@@ -3537,13 +3501,13 @@
         </p:spPr>
         <p:txBody>
           <a:bodyPr lIns="0" tIns="0" rIns="0" bIns="0"/>
+          <a:lstStyle/>
           <a:p>
             <a:pPr lvl="0"/>
             <a:r>
               <a:rPr lang="de-DE" altLang="de-DE" dirty="0"/>
               <a:t>Klicken Sie, um das Format des Titel-Masters zu bearbeiten.</a:t>
             </a:r>
-            <a:endParaRPr lang="de-DE" altLang="de-DE" dirty="0"/>
           </a:p>
         </p:txBody>
       </p:sp>
@@ -3574,13 +3538,13 @@
           <a:bodyPr lIns="0" tIns="0" rIns="0" bIns="0">
             <a:spAutoFit/>
           </a:bodyPr>
+          <a:lstStyle/>
           <a:p>
             <a:pPr lvl="0"/>
             <a:r>
               <a:rPr lang="de-DE" altLang="de-DE" dirty="0"/>
               <a:t>Klicken Sie, um die Textformatierung des Masters zu bearbeiten.</a:t>
             </a:r>
-            <a:endParaRPr lang="de-DE" altLang="de-DE" dirty="0"/>
           </a:p>
           <a:p>
             <a:pPr lvl="1"/>
@@ -3588,7 +3552,6 @@
               <a:rPr lang="de-DE" altLang="de-DE" dirty="0"/>
               <a:t>Ebene 1</a:t>
             </a:r>
-            <a:endParaRPr lang="de-DE" altLang="de-DE" dirty="0"/>
           </a:p>
           <a:p>
             <a:pPr lvl="2"/>
@@ -3596,7 +3559,6 @@
               <a:rPr lang="de-DE" altLang="de-DE" dirty="0"/>
               <a:t>Ebene 2</a:t>
             </a:r>
-            <a:endParaRPr lang="de-DE" altLang="de-DE" dirty="0"/>
           </a:p>
           <a:p>
             <a:pPr lvl="3"/>
@@ -3604,7 +3566,6 @@
               <a:rPr lang="de-DE" altLang="de-DE" dirty="0"/>
               <a:t>Ebene 3</a:t>
             </a:r>
-            <a:endParaRPr lang="de-DE" altLang="de-DE" dirty="0"/>
           </a:p>
           <a:p>
             <a:pPr lvl="3"/>
@@ -3612,7 +3573,6 @@
               <a:rPr lang="de-DE" altLang="de-DE" dirty="0"/>
               <a:t>Ebene 3</a:t>
             </a:r>
-            <a:endParaRPr lang="de-DE" altLang="de-DE" dirty="0"/>
           </a:p>
           <a:p>
             <a:pPr lvl="3"/>
@@ -3620,7 +3580,6 @@
               <a:rPr lang="de-DE" altLang="de-DE" dirty="0"/>
               <a:t>Ebene 3</a:t>
             </a:r>
-            <a:endParaRPr lang="de-DE" altLang="de-DE" dirty="0"/>
           </a:p>
           <a:p>
             <a:pPr lvl="1"/>
@@ -3628,7 +3587,6 @@
               <a:rPr lang="de-DE" altLang="de-DE" dirty="0"/>
               <a:t>Ebene 1</a:t>
             </a:r>
-            <a:endParaRPr lang="de-DE" altLang="de-DE" dirty="0"/>
           </a:p>
           <a:p>
             <a:pPr lvl="2"/>
@@ -3636,7 +3594,6 @@
               <a:rPr lang="de-DE" altLang="de-DE" dirty="0"/>
               <a:t>Ebene 2</a:t>
             </a:r>
-            <a:endParaRPr lang="de-DE" altLang="de-DE" dirty="0"/>
           </a:p>
           <a:p>
             <a:pPr lvl="2"/>
@@ -3644,7 +3601,6 @@
               <a:rPr lang="de-DE" altLang="de-DE" dirty="0"/>
               <a:t>Ebene 2</a:t>
             </a:r>
-            <a:endParaRPr lang="de-DE" altLang="de-DE" dirty="0"/>
           </a:p>
           <a:p>
             <a:pPr lvl="1"/>
@@ -3652,7 +3608,6 @@
               <a:rPr lang="de-DE" altLang="de-DE" dirty="0"/>
               <a:t>Ebene 1</a:t>
             </a:r>
-            <a:endParaRPr lang="de-DE" altLang="de-DE" dirty="0"/>
           </a:p>
           <a:p>
             <a:pPr lvl="3"/>
@@ -4165,7 +4120,14 @@
         <p:cNvGrpSpPr/>
         <p:nvPr/>
       </p:nvGrpSpPr>
-      <p:grpSpPr/>
+      <p:grpSpPr>
+        <a:xfrm>
+          <a:off x="0" y="0"/>
+          <a:ext cx="0" cy="0"/>
+          <a:chOff x="0" y="0"/>
+          <a:chExt cx="0" cy="0"/>
+        </a:xfrm>
+      </p:grpSpPr>
       <p:pic>
         <p:nvPicPr>
           <p:cNvPr id="9218" name="图片 1"/>
@@ -4175,7 +4137,7 @@
           <p:nvPr/>
         </p:nvPicPr>
         <p:blipFill>
-          <a:blip r:embed="rId1"/>
+          <a:blip r:embed="rId3" cstate="print"/>
           <a:stretch>
             <a:fillRect/>
           </a:stretch>
@@ -4217,6 +4179,7 @@
           <a:bodyPr>
             <a:spAutoFit/>
           </a:bodyPr>
+          <a:lstStyle/>
           <a:p>
             <a:pPr lvl="0">
               <a:lnSpc>
@@ -4255,10 +4218,6 @@
               </a:rPr>
               <a:t>年终工作汇报</a:t>
             </a:r>
-            <a:endParaRPr lang="zh-CN" altLang="en-US" sz="3200" dirty="0">
-              <a:latin typeface="微软雅黑 Light" pitchFamily="34" charset="-122"/>
-              <a:ea typeface="微软雅黑 Light" pitchFamily="34" charset="-122"/>
-            </a:endParaRPr>
           </a:p>
         </p:txBody>
       </p:sp>
@@ -4285,6 +4244,7 @@
           <a:bodyPr>
             <a:spAutoFit/>
           </a:bodyPr>
+          <a:lstStyle/>
           <a:p>
             <a:pPr lvl="0">
               <a:lnSpc>
@@ -4365,13 +4325,6 @@
               </a:rPr>
               <a:t>月</a:t>
             </a:r>
-            <a:endParaRPr lang="zh-CN" altLang="en-US" sz="2000" dirty="0">
-              <a:solidFill>
-                <a:srgbClr val="0D0D0D"/>
-              </a:solidFill>
-              <a:latin typeface="微软雅黑 Light" pitchFamily="34" charset="-122"/>
-              <a:ea typeface="微软雅黑 Light" pitchFamily="34" charset="-122"/>
-            </a:endParaRPr>
           </a:p>
         </p:txBody>
       </p:sp>
@@ -4384,7 +4337,7 @@
           <p:nvPr/>
         </p:nvPicPr>
         <p:blipFill>
-          <a:blip r:embed="rId2"/>
+          <a:blip r:embed="rId4" cstate="print"/>
           <a:stretch>
             <a:fillRect/>
           </a:stretch>
@@ -4408,6 +4361,13 @@
   <p:clrMapOvr>
     <a:masterClrMapping/>
   </p:clrMapOvr>
+  <p:timing>
+    <p:tnLst>
+      <p:par>
+        <p:cTn id="1" dur="indefinite" restart="never" nodeType="tmRoot"/>
+      </p:par>
+    </p:tnLst>
+  </p:timing>
 </p:sld>
 </file>
 
@@ -4420,7 +4380,14 @@
         <p:cNvGrpSpPr/>
         <p:nvPr/>
       </p:nvGrpSpPr>
-      <p:grpSpPr/>
+      <p:grpSpPr>
+        <a:xfrm>
+          <a:off x="0" y="0"/>
+          <a:ext cx="0" cy="0"/>
+          <a:chOff x="0" y="0"/>
+          <a:chExt cx="0" cy="0"/>
+        </a:xfrm>
+      </p:grpSpPr>
       <p:sp>
         <p:nvSpPr>
           <p:cNvPr id="10242" name="Rectangle 3"/>
@@ -4440,6 +4407,7 @@
         </p:spPr>
         <p:txBody>
           <a:bodyPr vert="horz" wrap="square" lIns="0" tIns="0" rIns="0" bIns="0" anchor="ctr"/>
+          <a:lstStyle/>
           <a:p>
             <a:r>
               <a:rPr lang="zh-CN" altLang="en-US" sz="2400" dirty="0">
@@ -4451,13 +4419,6 @@
               </a:rPr>
               <a:t>目录</a:t>
             </a:r>
-            <a:endParaRPr lang="zh-CN" altLang="en-US" sz="2400" dirty="0">
-              <a:solidFill>
-                <a:schemeClr val="tx1"/>
-              </a:solidFill>
-              <a:latin typeface="微软雅黑 Light" pitchFamily="34" charset="-122"/>
-              <a:ea typeface="微软雅黑 Light" pitchFamily="34" charset="-122"/>
-            </a:endParaRPr>
           </a:p>
         </p:txBody>
       </p:sp>
@@ -4484,6 +4445,7 @@
           <a:bodyPr>
             <a:spAutoFit/>
           </a:bodyPr>
+          <a:lstStyle/>
           <a:p>
             <a:pPr marL="609600" lvl="0" indent="-609600" eaLnBrk="1" hangingPunct="1">
               <a:lnSpc>
@@ -4511,13 +4473,6 @@
               </a:rPr>
               <a:t>年工作总结</a:t>
             </a:r>
-            <a:endParaRPr lang="zh-CN" altLang="en-US" sz="2000" dirty="0">
-              <a:solidFill>
-                <a:schemeClr val="tx2"/>
-              </a:solidFill>
-              <a:latin typeface="微软雅黑 Light" pitchFamily="34" charset="-122"/>
-              <a:ea typeface="微软雅黑 Light" pitchFamily="34" charset="-122"/>
-            </a:endParaRPr>
           </a:p>
           <a:p>
             <a:pPr marL="1066800" lvl="1" indent="-609600" eaLnBrk="1" hangingPunct="1">
@@ -4541,13 +4496,6 @@
               </a:rPr>
               <a:t>关键量化指标</a:t>
             </a:r>
-            <a:endParaRPr lang="zh-CN" altLang="en-US" sz="1800" dirty="0">
-              <a:solidFill>
-                <a:schemeClr val="tx2"/>
-              </a:solidFill>
-              <a:latin typeface="微软雅黑 Light" pitchFamily="34" charset="-122"/>
-              <a:ea typeface="微软雅黑 Light" pitchFamily="34" charset="-122"/>
-            </a:endParaRPr>
           </a:p>
           <a:p>
             <a:pPr marL="1066800" lvl="1" indent="-609600" eaLnBrk="1" hangingPunct="1">
@@ -4571,13 +4519,6 @@
               </a:rPr>
               <a:t>工作完成情况</a:t>
             </a:r>
-            <a:endParaRPr lang="zh-CN" altLang="en-US" sz="1800" dirty="0">
-              <a:solidFill>
-                <a:schemeClr val="tx2"/>
-              </a:solidFill>
-              <a:latin typeface="微软雅黑 Light" pitchFamily="34" charset="-122"/>
-              <a:ea typeface="微软雅黑 Light" pitchFamily="34" charset="-122"/>
-            </a:endParaRPr>
           </a:p>
           <a:p>
             <a:pPr marL="1066800" lvl="1" indent="-609600" eaLnBrk="1" hangingPunct="1">
@@ -4601,13 +4542,6 @@
               </a:rPr>
               <a:t>工作得失总结</a:t>
             </a:r>
-            <a:endParaRPr lang="zh-CN" altLang="en-US" sz="1800" dirty="0">
-              <a:solidFill>
-                <a:schemeClr val="tx2"/>
-              </a:solidFill>
-              <a:latin typeface="微软雅黑 Light" pitchFamily="34" charset="-122"/>
-              <a:ea typeface="微软雅黑 Light" pitchFamily="34" charset="-122"/>
-            </a:endParaRPr>
           </a:p>
           <a:p>
             <a:pPr marL="609600" lvl="0" indent="-609600" eaLnBrk="1" hangingPunct="1">
@@ -4636,13 +4570,6 @@
               </a:rPr>
               <a:t>年工作计划</a:t>
             </a:r>
-            <a:endParaRPr lang="zh-CN" altLang="en-US" sz="2000" dirty="0">
-              <a:solidFill>
-                <a:schemeClr val="tx2"/>
-              </a:solidFill>
-              <a:latin typeface="微软雅黑 Light" pitchFamily="34" charset="-122"/>
-              <a:ea typeface="微软雅黑 Light" pitchFamily="34" charset="-122"/>
-            </a:endParaRPr>
           </a:p>
           <a:p>
             <a:pPr marL="609600" lvl="0" indent="-609600" eaLnBrk="1" hangingPunct="1">
@@ -4661,13 +4588,6 @@
               </a:rPr>
               <a:t>其他</a:t>
             </a:r>
-            <a:endParaRPr lang="zh-CN" altLang="en-US" sz="2000" dirty="0">
-              <a:solidFill>
-                <a:schemeClr val="tx2"/>
-              </a:solidFill>
-              <a:latin typeface="微软雅黑 Light" pitchFamily="34" charset="-122"/>
-              <a:ea typeface="微软雅黑 Light" pitchFamily="34" charset="-122"/>
-            </a:endParaRPr>
           </a:p>
         </p:txBody>
       </p:sp>
@@ -4676,6 +4596,13 @@
   <p:clrMapOvr>
     <a:masterClrMapping/>
   </p:clrMapOvr>
+  <p:timing>
+    <p:tnLst>
+      <p:par>
+        <p:cTn id="1" dur="indefinite" restart="never" nodeType="tmRoot"/>
+      </p:par>
+    </p:tnLst>
+  </p:timing>
 </p:sld>
 </file>
 
@@ -4688,7 +4615,14 @@
         <p:cNvGrpSpPr/>
         <p:nvPr/>
       </p:nvGrpSpPr>
-      <p:grpSpPr/>
+      <p:grpSpPr>
+        <a:xfrm>
+          <a:off x="0" y="0"/>
+          <a:ext cx="0" cy="0"/>
+          <a:chOff x="0" y="0"/>
+          <a:chExt cx="0" cy="0"/>
+        </a:xfrm>
+      </p:grpSpPr>
       <p:sp>
         <p:nvSpPr>
           <p:cNvPr id="4" name="Rectangle 2"/>
@@ -4712,6 +4646,7 @@
         </p:spPr>
         <p:txBody>
           <a:bodyPr lIns="0" tIns="0" rIns="0" bIns="0" anchor="ctr"/>
+          <a:lstStyle/>
           <a:p>
             <a:pPr lvl="0">
               <a:lnSpc>
@@ -4728,13 +4663,6 @@
               </a:rPr>
               <a:t>工作完成情况</a:t>
             </a:r>
-            <a:endParaRPr lang="zh-CN" altLang="en-US" sz="2400" dirty="0">
-              <a:solidFill>
-                <a:schemeClr val="tx1"/>
-              </a:solidFill>
-              <a:latin typeface="微软雅黑 Light" pitchFamily="34" charset="-122"/>
-              <a:ea typeface="微软雅黑 Light" pitchFamily="34" charset="-122"/>
-            </a:endParaRPr>
           </a:p>
         </p:txBody>
       </p:sp>
@@ -4758,6 +4686,7 @@
           <a:bodyPr wrap="square" rtlCol="0">
             <a:spAutoFit/>
           </a:bodyPr>
+          <a:lstStyle/>
           <a:p>
             <a:r>
               <a:rPr lang="zh-CN" altLang="en-US" sz="1800">
@@ -4786,6 +4715,8 @@
               </a:rPr>
               <a:t>项目一期部署维护工作</a:t>
             </a:r>
+          </a:p>
+          <a:p>
             <a:endParaRPr lang="zh-CN" altLang="en-US" sz="1800">
               <a:solidFill>
                 <a:srgbClr val="000000"/>
@@ -4794,6 +4725,24 @@
             </a:endParaRPr>
           </a:p>
           <a:p>
+            <a:pPr marL="800100" lvl="1" indent="-342900">
+              <a:buFont typeface="Wingdings" panose="05000000000000000000" charset="0"/>
+              <a:buChar char="Ø"/>
+            </a:pPr>
+            <a:r>
+              <a:rPr lang="zh-CN" altLang="en-US" sz="1800">
+                <a:solidFill>
+                  <a:srgbClr val="000000"/>
+                </a:solidFill>
+                <a:uFillTx/>
+              </a:rPr>
+              <a:t>哈尔滨市第一医院</a:t>
+            </a:r>
+          </a:p>
+          <a:p>
+            <a:pPr lvl="1">
+              <a:buFont typeface="Wingdings" panose="05000000000000000000" charset="0"/>
+            </a:pPr>
             <a:endParaRPr lang="zh-CN" altLang="en-US" sz="1800">
               <a:solidFill>
                 <a:srgbClr val="000000"/>
@@ -4813,8 +4762,13 @@
                 </a:solidFill>
                 <a:uFillTx/>
               </a:rPr>
-              <a:t>哈尔滨市第一医院</a:t>
-            </a:r>
+              <a:t>锦州市中心医院</a:t>
+            </a:r>
+          </a:p>
+          <a:p>
+            <a:pPr lvl="1">
+              <a:buFont typeface="Wingdings" panose="05000000000000000000" charset="0"/>
+            </a:pPr>
             <a:endParaRPr lang="zh-CN" altLang="en-US" sz="1800">
               <a:solidFill>
                 <a:srgbClr val="000000"/>
@@ -4823,6 +4777,21 @@
             </a:endParaRPr>
           </a:p>
           <a:p>
+            <a:pPr marL="800100" lvl="1" indent="-342900">
+              <a:buFont typeface="Wingdings" panose="05000000000000000000" charset="0"/>
+              <a:buChar char="Ø"/>
+            </a:pPr>
+            <a:r>
+              <a:rPr lang="zh-CN" altLang="en-US" sz="1800">
+                <a:solidFill>
+                  <a:srgbClr val="000000"/>
+                </a:solidFill>
+                <a:uFillTx/>
+              </a:rPr>
+              <a:t>武警总医院</a:t>
+            </a:r>
+          </a:p>
+          <a:p>
             <a:pPr lvl="1">
               <a:buFont typeface="Wingdings" panose="05000000000000000000" charset="0"/>
             </a:pPr>
@@ -4845,8 +4814,14 @@
                 </a:solidFill>
                 <a:uFillTx/>
               </a:rPr>
-              <a:t>锦州市中心医院</a:t>
-            </a:r>
+              <a:t>测试服务器</a:t>
+            </a:r>
+          </a:p>
+          <a:p>
+            <a:pPr marL="800100" lvl="1" indent="-342900">
+              <a:buFont typeface="Wingdings" panose="05000000000000000000" charset="0"/>
+              <a:buChar char="Ø"/>
+            </a:pPr>
             <a:endParaRPr lang="zh-CN" altLang="en-US" sz="1800">
               <a:solidFill>
                 <a:srgbClr val="000000"/>
@@ -4855,9 +4830,35 @@
             </a:endParaRPr>
           </a:p>
           <a:p>
-            <a:pPr lvl="1">
-              <a:buFont typeface="Wingdings" panose="05000000000000000000" charset="0"/>
-            </a:pPr>
+            <a:r>
+              <a:rPr lang="zh-CN" altLang="en-US" sz="1800">
+                <a:solidFill>
+                  <a:srgbClr val="000000"/>
+                </a:solidFill>
+                <a:uFillTx/>
+              </a:rPr>
+              <a:t>二、</a:t>
+            </a:r>
+            <a:r>
+              <a:rPr lang="en-US" altLang="zh-CN" sz="1800">
+                <a:solidFill>
+                  <a:srgbClr val="000000"/>
+                </a:solidFill>
+                <a:uFillTx/>
+              </a:rPr>
+              <a:t>BK-ied</a:t>
+            </a:r>
+            <a:r>
+              <a:rPr lang="zh-CN" altLang="en-US" sz="1800">
+                <a:solidFill>
+                  <a:srgbClr val="000000"/>
+                </a:solidFill>
+                <a:uFillTx/>
+              </a:rPr>
+              <a:t>项目二期后台的开发工作</a:t>
+            </a:r>
+          </a:p>
+          <a:p>
             <a:endParaRPr lang="zh-CN" altLang="en-US" sz="1800">
               <a:solidFill>
                 <a:srgbClr val="000000"/>
@@ -4871,137 +4872,23 @@
               <a:buChar char="Ø"/>
             </a:pPr>
             <a:r>
+              <a:rPr lang="en-US" altLang="zh-CN" sz="1800">
+                <a:solidFill>
+                  <a:srgbClr val="000000"/>
+                </a:solidFill>
+                <a:uFillTx/>
+              </a:rPr>
+              <a:t>web</a:t>
+            </a:r>
+            <a:r>
               <a:rPr lang="zh-CN" altLang="en-US" sz="1800">
                 <a:solidFill>
                   <a:srgbClr val="000000"/>
                 </a:solidFill>
                 <a:uFillTx/>
               </a:rPr>
-              <a:t>武警总医院</a:t>
-            </a:r>
-            <a:endParaRPr lang="zh-CN" altLang="en-US" sz="1800">
-              <a:solidFill>
-                <a:srgbClr val="000000"/>
-              </a:solidFill>
-              <a:uFillTx/>
-            </a:endParaRPr>
-          </a:p>
-          <a:p>
-            <a:pPr lvl="1">
-              <a:buFont typeface="Wingdings" panose="05000000000000000000" charset="0"/>
-            </a:pPr>
-            <a:endParaRPr lang="zh-CN" altLang="en-US" sz="1800">
-              <a:solidFill>
-                <a:srgbClr val="000000"/>
-              </a:solidFill>
-              <a:uFillTx/>
-            </a:endParaRPr>
-          </a:p>
-          <a:p>
-            <a:pPr marL="800100" lvl="1" indent="-342900">
-              <a:buFont typeface="Wingdings" panose="05000000000000000000" charset="0"/>
-              <a:buChar char="Ø"/>
-            </a:pPr>
-            <a:r>
-              <a:rPr lang="zh-CN" altLang="en-US" sz="1800">
-                <a:solidFill>
-                  <a:srgbClr val="000000"/>
-                </a:solidFill>
-                <a:uFillTx/>
-              </a:rPr>
-              <a:t>测试服务器</a:t>
-            </a:r>
-            <a:endParaRPr lang="zh-CN" altLang="en-US" sz="1800">
-              <a:solidFill>
-                <a:srgbClr val="000000"/>
-              </a:solidFill>
-              <a:uFillTx/>
-            </a:endParaRPr>
-          </a:p>
-          <a:p>
-            <a:pPr marL="800100" lvl="1" indent="-342900">
-              <a:buFont typeface="Wingdings" panose="05000000000000000000" charset="0"/>
-              <a:buChar char="Ø"/>
-            </a:pPr>
-            <a:endParaRPr lang="zh-CN" altLang="en-US" sz="1800">
-              <a:solidFill>
-                <a:srgbClr val="000000"/>
-              </a:solidFill>
-              <a:uFillTx/>
-            </a:endParaRPr>
-          </a:p>
-          <a:p>
-            <a:r>
-              <a:rPr lang="zh-CN" altLang="en-US" sz="1800">
-                <a:solidFill>
-                  <a:srgbClr val="000000"/>
-                </a:solidFill>
-                <a:uFillTx/>
-              </a:rPr>
-              <a:t>二、</a:t>
-            </a:r>
-            <a:r>
-              <a:rPr lang="en-US" altLang="zh-CN" sz="1800">
-                <a:solidFill>
-                  <a:srgbClr val="000000"/>
-                </a:solidFill>
-                <a:uFillTx/>
-              </a:rPr>
-              <a:t>BK-ied</a:t>
-            </a:r>
-            <a:r>
-              <a:rPr lang="zh-CN" altLang="en-US" sz="1800">
-                <a:solidFill>
-                  <a:srgbClr val="000000"/>
-                </a:solidFill>
-                <a:uFillTx/>
-              </a:rPr>
-              <a:t>项目二期后台的开发工作</a:t>
-            </a:r>
-            <a:endParaRPr lang="zh-CN" altLang="en-US" sz="1800">
-              <a:solidFill>
-                <a:srgbClr val="000000"/>
-              </a:solidFill>
-              <a:uFillTx/>
-            </a:endParaRPr>
-          </a:p>
-          <a:p>
-            <a:endParaRPr lang="zh-CN" altLang="en-US" sz="1800">
-              <a:solidFill>
-                <a:srgbClr val="000000"/>
-              </a:solidFill>
-              <a:uFillTx/>
-            </a:endParaRPr>
-          </a:p>
-          <a:p>
-            <a:pPr marL="800100" lvl="1" indent="-342900">
-              <a:buFont typeface="Wingdings" panose="05000000000000000000" charset="0"/>
-              <a:buChar char="Ø"/>
-            </a:pPr>
-            <a:r>
-              <a:rPr lang="en-US" altLang="zh-CN" sz="1800">
-                <a:solidFill>
-                  <a:srgbClr val="000000"/>
-                </a:solidFill>
-                <a:uFillTx/>
-              </a:rPr>
-              <a:t>web</a:t>
-            </a:r>
-            <a:r>
-              <a:rPr lang="zh-CN" altLang="en-US" sz="1800">
-                <a:solidFill>
-                  <a:srgbClr val="000000"/>
-                </a:solidFill>
-                <a:uFillTx/>
-              </a:rPr>
               <a:t>平台端</a:t>
             </a:r>
-            <a:endParaRPr lang="zh-CN" altLang="en-US" sz="1800">
-              <a:solidFill>
-                <a:srgbClr val="000000"/>
-              </a:solidFill>
-              <a:uFillTx/>
-            </a:endParaRPr>
           </a:p>
           <a:p>
             <a:pPr lvl="1">
@@ -5028,12 +4915,6 @@
               </a:rPr>
               <a:t>移动端接口</a:t>
             </a:r>
-            <a:endParaRPr lang="zh-CN" altLang="en-US" sz="1800">
-              <a:solidFill>
-                <a:srgbClr val="000000"/>
-              </a:solidFill>
-              <a:uFillTx/>
-            </a:endParaRPr>
           </a:p>
           <a:p>
             <a:pPr lvl="1">
@@ -5064,6 +4945,13 @@
   <p:clrMapOvr>
     <a:masterClrMapping/>
   </p:clrMapOvr>
+  <p:timing>
+    <p:tnLst>
+      <p:par>
+        <p:cTn id="1" dur="indefinite" restart="never" nodeType="tmRoot"/>
+      </p:par>
+    </p:tnLst>
+  </p:timing>
 </p:sld>
 </file>
 
@@ -5076,7 +4964,14 @@
         <p:cNvGrpSpPr/>
         <p:nvPr/>
       </p:nvGrpSpPr>
-      <p:grpSpPr/>
+      <p:grpSpPr>
+        <a:xfrm>
+          <a:off x="0" y="0"/>
+          <a:ext cx="0" cy="0"/>
+          <a:chOff x="0" y="0"/>
+          <a:chExt cx="0" cy="0"/>
+        </a:xfrm>
+      </p:grpSpPr>
       <p:sp>
         <p:nvSpPr>
           <p:cNvPr id="4" name="Rectangle 2"/>
@@ -5100,6 +4995,7 @@
         </p:spPr>
         <p:txBody>
           <a:bodyPr lIns="0" tIns="0" rIns="0" bIns="0" anchor="ctr"/>
+          <a:lstStyle/>
           <a:p>
             <a:pPr lvl="0">
               <a:lnSpc>
@@ -5116,13 +5012,6 @@
               </a:rPr>
               <a:t>工作完成情况（二）</a:t>
             </a:r>
-            <a:endParaRPr lang="zh-CN" altLang="en-US" sz="2400" dirty="0">
-              <a:solidFill>
-                <a:schemeClr val="tx1"/>
-              </a:solidFill>
-              <a:latin typeface="微软雅黑 Light" pitchFamily="34" charset="-122"/>
-              <a:ea typeface="微软雅黑 Light" pitchFamily="34" charset="-122"/>
-            </a:endParaRPr>
           </a:p>
         </p:txBody>
       </p:sp>
@@ -5135,7 +5024,7 @@
         <p:spPr>
           <a:xfrm>
             <a:off x="568960" y="1395095"/>
-            <a:ext cx="8768080" cy="5657850"/>
+            <a:ext cx="8768080" cy="4585871"/>
           </a:xfrm>
           <a:prstGeom prst="rect">
             <a:avLst/>
@@ -5146,26 +5035,38 @@
           <a:bodyPr wrap="square" rtlCol="0">
             <a:spAutoFit/>
           </a:bodyPr>
-          <a:p>
-            <a:r>
-              <a:rPr lang="en-US" altLang="zh-CN" sz="1800">
+          <a:lstStyle/>
+          <a:p>
+            <a:r>
+              <a:rPr lang="en-US" altLang="zh-CN" sz="1800" dirty="0">
                 <a:solidFill>
                   <a:srgbClr val="000000"/>
                 </a:solidFill>
                 <a:uFillTx/>
               </a:rPr>
-              <a:t>BK-ied</a:t>
-            </a:r>
-            <a:r>
-              <a:rPr lang="zh-CN" altLang="en-US" sz="1800">
+              <a:t>BK-</a:t>
+            </a:r>
+            <a:r>
+              <a:rPr lang="en-US" altLang="zh-CN" sz="1800" dirty="0" err="1">
                 <a:solidFill>
                   <a:srgbClr val="000000"/>
                 </a:solidFill>
                 <a:uFillTx/>
               </a:rPr>
+              <a:t>ied</a:t>
+            </a:r>
+            <a:r>
+              <a:rPr lang="zh-CN" altLang="en-US" sz="1800" dirty="0">
+                <a:solidFill>
+                  <a:srgbClr val="000000"/>
+                </a:solidFill>
+                <a:uFillTx/>
+              </a:rPr>
               <a:t>项目二期后台的开发工作</a:t>
             </a:r>
-            <a:endParaRPr lang="zh-CN" altLang="en-US" sz="1800">
+          </a:p>
+          <a:p>
+            <a:endParaRPr lang="zh-CN" altLang="en-US" sz="1800" dirty="0">
               <a:solidFill>
                 <a:srgbClr val="000000"/>
               </a:solidFill>
@@ -5173,7 +5074,34 @@
             </a:endParaRPr>
           </a:p>
           <a:p>
-            <a:endParaRPr lang="zh-CN" altLang="en-US" sz="1800">
+            <a:pPr marL="800100" lvl="1" indent="-342900">
+              <a:buFont typeface="Wingdings" panose="05000000000000000000" charset="0"/>
+              <a:buChar char="Ø"/>
+            </a:pPr>
+            <a:r>
+              <a:rPr lang="en-US" altLang="zh-CN" sz="1800" dirty="0">
+                <a:solidFill>
+                  <a:srgbClr val="000000"/>
+                </a:solidFill>
+                <a:uFillTx/>
+              </a:rPr>
+              <a:t>web</a:t>
+            </a:r>
+            <a:r>
+              <a:rPr lang="zh-CN" altLang="en-US" sz="1800" dirty="0">
+                <a:solidFill>
+                  <a:srgbClr val="000000"/>
+                </a:solidFill>
+                <a:uFillTx/>
+              </a:rPr>
+              <a:t>平台端</a:t>
+            </a:r>
+          </a:p>
+          <a:p>
+            <a:pPr lvl="1">
+              <a:buFont typeface="Wingdings" panose="05000000000000000000" charset="0"/>
+            </a:pPr>
+            <a:endParaRPr lang="zh-CN" altLang="en-US" sz="1800" dirty="0">
               <a:solidFill>
                 <a:srgbClr val="000000"/>
               </a:solidFill>
@@ -5181,29 +5109,62 @@
             </a:endParaRPr>
           </a:p>
           <a:p>
-            <a:pPr marL="800100" lvl="1" indent="-342900">
+            <a:pPr marL="1200150" lvl="2" indent="-285750">
+              <a:buClrTx/>
               <a:buFont typeface="Wingdings" panose="05000000000000000000" charset="0"/>
-              <a:buChar char="Ø"/>
-            </a:pPr>
-            <a:r>
-              <a:rPr lang="en-US" altLang="zh-CN" sz="1800">
+              <a:buChar char="n"/>
+            </a:pPr>
+            <a:r>
+              <a:rPr lang="zh-CN" altLang="en-US" sz="1800" dirty="0">
                 <a:solidFill>
                   <a:srgbClr val="000000"/>
                 </a:solidFill>
                 <a:uFillTx/>
               </a:rPr>
-              <a:t>web</a:t>
-            </a:r>
-            <a:r>
-              <a:rPr lang="zh-CN" altLang="en-US" sz="1800">
+              <a:t>组织机构管理</a:t>
+            </a:r>
+          </a:p>
+          <a:p>
+            <a:pPr marL="1200150" lvl="2" indent="-285750">
+              <a:buClrTx/>
+              <a:buFont typeface="Wingdings" panose="05000000000000000000" charset="0"/>
+              <a:buChar char="n"/>
+            </a:pPr>
+            <a:r>
+              <a:rPr lang="zh-CN" altLang="en-US" sz="1800" dirty="0">
                 <a:solidFill>
                   <a:srgbClr val="000000"/>
                 </a:solidFill>
                 <a:uFillTx/>
               </a:rPr>
-              <a:t>平台端</a:t>
-            </a:r>
-            <a:endParaRPr lang="zh-CN" altLang="en-US" sz="1800">
+              <a:t>医生排班</a:t>
+            </a:r>
+          </a:p>
+          <a:p>
+            <a:pPr marL="1200150" lvl="2" indent="-285750">
+              <a:buClrTx/>
+              <a:buFont typeface="Wingdings" panose="05000000000000000000" charset="0"/>
+              <a:buChar char="n"/>
+            </a:pPr>
+            <a:r>
+              <a:rPr lang="zh-CN" altLang="en-US" sz="1800" dirty="0">
+                <a:solidFill>
+                  <a:srgbClr val="000000"/>
+                </a:solidFill>
+                <a:uFillTx/>
+              </a:rPr>
+              <a:t>移动端版本升</a:t>
+            </a:r>
+            <a:r>
+              <a:rPr lang="zh-CN" altLang="en-US" sz="1800" dirty="0" smtClean="0">
+                <a:solidFill>
+                  <a:srgbClr val="000000"/>
+                </a:solidFill>
+                <a:uFillTx/>
+              </a:rPr>
+              <a:t>级</a:t>
+            </a:r>
+            <a:endParaRPr lang="en-US" altLang="zh-CN" sz="1800" dirty="0" smtClean="0">
               <a:solidFill>
                 <a:srgbClr val="000000"/>
               </a:solidFill>
@@ -5211,10 +5172,32 @@
             </a:endParaRPr>
           </a:p>
           <a:p>
-            <a:pPr lvl="1">
+            <a:pPr marL="1200150" lvl="2" indent="-285750">
+              <a:buClrTx/>
               <a:buFont typeface="Wingdings" panose="05000000000000000000" charset="0"/>
-            </a:pPr>
-            <a:endParaRPr lang="zh-CN" altLang="en-US" sz="1800">
+              <a:buChar char="n"/>
+            </a:pPr>
+            <a:r>
+              <a:rPr lang="zh-CN" altLang="en-US" sz="1800" dirty="0" smtClean="0"/>
+              <a:t>统</a:t>
+            </a:r>
+            <a:r>
+              <a:rPr lang="zh-CN" altLang="en-US" sz="1800" dirty="0" smtClean="0"/>
+              <a:t>计</a:t>
+            </a:r>
+            <a:r>
+              <a:rPr lang="zh-CN" altLang="en-US" sz="1800" dirty="0" smtClean="0"/>
+              <a:t>（</a:t>
+            </a:r>
+            <a:r>
+              <a:rPr lang="en-US" altLang="zh-CN" sz="1800" dirty="0" smtClean="0"/>
+              <a:t>30</a:t>
+            </a:r>
+            <a:r>
+              <a:rPr lang="zh-CN" altLang="en-US" sz="1800" dirty="0" smtClean="0"/>
+              <a:t>多种类型的统计）</a:t>
+            </a:r>
+            <a:endParaRPr lang="zh-CN" altLang="en-US" sz="1800" dirty="0">
               <a:solidFill>
                 <a:srgbClr val="000000"/>
               </a:solidFill>
@@ -5228,15 +5211,20 @@
               <a:buChar char="n"/>
             </a:pPr>
             <a:r>
-              <a:rPr lang="zh-CN" altLang="en-US" sz="1800">
+              <a:rPr lang="zh-CN" altLang="en-US" sz="1800" dirty="0">
                 <a:solidFill>
                   <a:srgbClr val="000000"/>
                 </a:solidFill>
                 <a:uFillTx/>
               </a:rPr>
-              <a:t>组织机构管理</a:t>
-            </a:r>
-            <a:endParaRPr lang="zh-CN" altLang="en-US" sz="1800">
+              <a:t>专家端病例处置，浏览。</a:t>
+            </a:r>
+          </a:p>
+          <a:p>
+            <a:pPr lvl="1">
+              <a:buFont typeface="Wingdings" panose="05000000000000000000" charset="0"/>
+            </a:pPr>
+            <a:endParaRPr lang="zh-CN" altLang="en-US" sz="1800" b="0" dirty="0">
               <a:solidFill>
                 <a:srgbClr val="000000"/>
               </a:solidFill>
@@ -5244,21 +5232,34 @@
             </a:endParaRPr>
           </a:p>
           <a:p>
-            <a:pPr marL="1200150" lvl="2" indent="-285750">
-              <a:buClrTx/>
-              <a:buFont typeface="Wingdings" panose="05000000000000000000" charset="0"/>
-              <a:buChar char="n"/>
-            </a:pPr>
-            <a:r>
-              <a:rPr lang="zh-CN" altLang="en-US" sz="1800">
+            <a:pPr marL="800100" lvl="1" indent="-342900"/>
+            <a:r>
+              <a:rPr lang="zh-CN" altLang="en-US" sz="1800" dirty="0">
                 <a:solidFill>
                   <a:srgbClr val="000000"/>
                 </a:solidFill>
                 <a:uFillTx/>
               </a:rPr>
-              <a:t>医生排班</a:t>
-            </a:r>
-            <a:endParaRPr lang="zh-CN" altLang="en-US" sz="1800">
+              <a:t/>
+            </a:r>
+            <a:br>
+              <a:rPr lang="zh-CN" altLang="en-US" sz="1800" dirty="0">
+                <a:solidFill>
+                  <a:srgbClr val="000000"/>
+                </a:solidFill>
+                <a:uFillTx/>
+              </a:rPr>
+            </a:br>
+            <a:r>
+              <a:rPr lang="zh-CN" altLang="en-US" sz="1800" dirty="0">
+                <a:solidFill>
+                  <a:srgbClr val="000000"/>
+                </a:solidFill>
+                <a:uFillTx/>
+              </a:rPr>
+              <a:t> </a:t>
+            </a:r>
+            <a:endParaRPr lang="en-US" altLang="zh-CN" sz="1800" dirty="0">
               <a:solidFill>
                 <a:srgbClr val="000000"/>
               </a:solidFill>
@@ -5266,21 +5267,10 @@
             </a:endParaRPr>
           </a:p>
           <a:p>
-            <a:pPr marL="1200150" lvl="2" indent="-285750">
-              <a:buClrTx/>
+            <a:pPr lvl="1">
               <a:buFont typeface="Wingdings" panose="05000000000000000000" charset="0"/>
-              <a:buChar char="n"/>
-            </a:pPr>
-            <a:r>
-              <a:rPr lang="zh-CN" altLang="en-US" sz="1800">
-                <a:solidFill>
-                  <a:srgbClr val="000000"/>
-                </a:solidFill>
-                <a:uFillTx/>
-              </a:rPr>
-              <a:t>移动端版本升级</a:t>
-            </a:r>
-            <a:endParaRPr lang="zh-CN" altLang="en-US" sz="1800">
+            </a:pPr>
+            <a:endParaRPr lang="zh-CN" altLang="en-US" sz="1800" dirty="0">
               <a:solidFill>
                 <a:srgbClr val="000000"/>
               </a:solidFill>
@@ -5288,21 +5278,11 @@
             </a:endParaRPr>
           </a:p>
           <a:p>
-            <a:pPr marL="1200150" lvl="2" indent="-285750">
-              <a:buClrTx/>
+            <a:pPr marL="800100" lvl="1" indent="-342900">
               <a:buFont typeface="Wingdings" panose="05000000000000000000" charset="0"/>
-              <a:buChar char="n"/>
-            </a:pPr>
-            <a:r>
-              <a:rPr lang="zh-CN" altLang="en-US" sz="1800">
-                <a:solidFill>
-                  <a:srgbClr val="000000"/>
-                </a:solidFill>
-                <a:uFillTx/>
-              </a:rPr>
-              <a:t>专家端病例处置，浏览。</a:t>
-            </a:r>
-            <a:endParaRPr lang="zh-CN" altLang="en-US" sz="1800">
+              <a:buChar char="Ø"/>
+            </a:pPr>
+            <a:endParaRPr lang="zh-CN" altLang="en-US" sz="1800" dirty="0">
               <a:solidFill>
                 <a:srgbClr val="000000"/>
               </a:solidFill>
@@ -5313,7 +5293,7 @@
             <a:pPr lvl="1">
               <a:buFont typeface="Wingdings" panose="05000000000000000000" charset="0"/>
             </a:pPr>
-            <a:endParaRPr lang="zh-CN" altLang="en-US" sz="1800" b="0">
+            <a:endParaRPr lang="zh-CN" altLang="en-US" sz="1600" dirty="0">
               <a:solidFill>
                 <a:srgbClr val="000000"/>
               </a:solidFill>
@@ -5321,155 +5301,10 @@
             </a:endParaRPr>
           </a:p>
           <a:p>
-            <a:pPr marL="800100" lvl="1" indent="-342900">
-              <a:buFont typeface="Wingdings" panose="05000000000000000000" charset="0"/>
-              <a:buChar char="Ø"/>
-            </a:pPr>
-            <a:r>
-              <a:rPr lang="zh-CN" altLang="en-US" sz="1800">
-                <a:solidFill>
-                  <a:srgbClr val="000000"/>
-                </a:solidFill>
-                <a:uFillTx/>
-              </a:rPr>
-              <a:t>移动端</a:t>
-            </a:r>
-            <a:endParaRPr lang="zh-CN" altLang="en-US" sz="1800">
-              <a:solidFill>
-                <a:srgbClr val="000000"/>
-              </a:solidFill>
-              <a:uFillTx/>
-            </a:endParaRPr>
-          </a:p>
-          <a:p>
             <a:pPr lvl="1">
               <a:buFont typeface="Wingdings" panose="05000000000000000000" charset="0"/>
             </a:pPr>
-            <a:endParaRPr lang="zh-CN" altLang="en-US" sz="1800">
-              <a:solidFill>
-                <a:srgbClr val="000000"/>
-              </a:solidFill>
-              <a:uFillTx/>
-            </a:endParaRPr>
-          </a:p>
-          <a:p>
-            <a:pPr marL="742950" lvl="1" indent="-285750">
-              <a:buFont typeface="Wingdings" panose="05000000000000000000" charset="0"/>
-              <a:buChar char="n"/>
-            </a:pPr>
-            <a:r>
-              <a:rPr lang="en-US" altLang="zh-CN" sz="1800">
-                <a:solidFill>
-                  <a:srgbClr val="000000"/>
-                </a:solidFill>
-                <a:uFillTx/>
-              </a:rPr>
-              <a:t>pad</a:t>
-            </a:r>
-            <a:r>
-              <a:rPr lang="zh-CN" altLang="en-US" sz="1800">
-                <a:solidFill>
-                  <a:srgbClr val="000000"/>
-                </a:solidFill>
-                <a:uFillTx/>
-              </a:rPr>
-              <a:t>端发送会诊，取消会诊，结束会诊等流程设计、建模、业务层、接口编写</a:t>
-            </a:r>
-            <a:endParaRPr lang="zh-CN" altLang="en-US" sz="1800">
-              <a:solidFill>
-                <a:srgbClr val="000000"/>
-              </a:solidFill>
-              <a:uFillTx/>
-            </a:endParaRPr>
-          </a:p>
-          <a:p>
-            <a:pPr lvl="1">
-              <a:buFont typeface="Wingdings" panose="05000000000000000000" charset="0"/>
-            </a:pPr>
-            <a:endParaRPr lang="zh-CN" altLang="en-US" sz="1800">
-              <a:solidFill>
-                <a:srgbClr val="000000"/>
-              </a:solidFill>
-              <a:uFillTx/>
-            </a:endParaRPr>
-          </a:p>
-          <a:p>
-            <a:pPr marL="742950" lvl="1" indent="-285750">
-              <a:buFont typeface="Wingdings" panose="05000000000000000000" charset="0"/>
-              <a:buChar char="n"/>
-            </a:pPr>
-            <a:r>
-              <a:rPr lang="zh-CN" altLang="en-US" sz="1800">
-                <a:solidFill>
-                  <a:srgbClr val="000000"/>
-                </a:solidFill>
-                <a:uFillTx/>
-              </a:rPr>
-              <a:t>手机端值班室接收会诊，处理会诊，发送结果推送给申请医生，已处理列表高线医生覆盖底线医生回复，急诊室，导管室时间轴数据上传接口等编写。</a:t>
-            </a:r>
-            <a:br>
-              <a:rPr lang="zh-CN" altLang="en-US" sz="1800">
-                <a:solidFill>
-                  <a:srgbClr val="000000"/>
-                </a:solidFill>
-                <a:uFillTx/>
-              </a:rPr>
-            </a:br>
-            <a:r>
-              <a:rPr lang="zh-CN" altLang="en-US" sz="1800">
-                <a:solidFill>
-                  <a:srgbClr val="000000"/>
-                </a:solidFill>
-                <a:uFillTx/>
-              </a:rPr>
-              <a:t> </a:t>
-            </a:r>
-            <a:endParaRPr lang="en-US" altLang="zh-CN" sz="1800">
-              <a:solidFill>
-                <a:srgbClr val="000000"/>
-              </a:solidFill>
-              <a:uFillTx/>
-            </a:endParaRPr>
-          </a:p>
-          <a:p>
-            <a:pPr lvl="1">
-              <a:buFont typeface="Wingdings" panose="05000000000000000000" charset="0"/>
-            </a:pPr>
-            <a:endParaRPr lang="zh-CN" altLang="en-US" sz="1800">
-              <a:solidFill>
-                <a:srgbClr val="000000"/>
-              </a:solidFill>
-              <a:uFillTx/>
-            </a:endParaRPr>
-          </a:p>
-          <a:p>
-            <a:pPr marL="800100" lvl="1" indent="-342900">
-              <a:buFont typeface="Wingdings" panose="05000000000000000000" charset="0"/>
-              <a:buChar char="Ø"/>
-            </a:pPr>
-            <a:endParaRPr lang="zh-CN" altLang="en-US" sz="1800">
-              <a:solidFill>
-                <a:srgbClr val="000000"/>
-              </a:solidFill>
-              <a:uFillTx/>
-            </a:endParaRPr>
-          </a:p>
-          <a:p>
-            <a:pPr lvl="1">
-              <a:buFont typeface="Wingdings" panose="05000000000000000000" charset="0"/>
-            </a:pPr>
-            <a:endParaRPr lang="zh-CN" altLang="en-US" sz="1600">
-              <a:solidFill>
-                <a:srgbClr val="000000"/>
-              </a:solidFill>
-              <a:uFillTx/>
-            </a:endParaRPr>
-          </a:p>
-          <a:p>
-            <a:pPr lvl="1">
-              <a:buFont typeface="Wingdings" panose="05000000000000000000" charset="0"/>
-            </a:pPr>
-            <a:endParaRPr lang="zh-CN" altLang="en-US" sz="2400">
+            <a:endParaRPr lang="zh-CN" altLang="en-US" sz="2400" dirty="0">
               <a:solidFill>
                 <a:srgbClr val="000000"/>
               </a:solidFill>
@@ -5483,6 +5318,659 @@
   <p:clrMapOvr>
     <a:masterClrMapping/>
   </p:clrMapOvr>
+  <p:timing>
+    <p:tnLst>
+      <p:par>
+        <p:cTn id="1" dur="indefinite" restart="never" nodeType="tmRoot"/>
+      </p:par>
+    </p:tnLst>
+  </p:timing>
+</p:sld>
+</file>
+
+<file path=ppt/slides/slide5.xml><?xml version="1.0" encoding="utf-8"?>
+<p:sld xmlns:a="http://schemas.openxmlformats.org/drawingml/2006/main" xmlns:r="http://schemas.openxmlformats.org/officeDocument/2006/relationships" xmlns:p="http://schemas.openxmlformats.org/presentationml/2006/main">
+  <p:cSld>
+    <p:spTree>
+      <p:nvGrpSpPr>
+        <p:cNvPr id="1" name=""/>
+        <p:cNvGrpSpPr/>
+        <p:nvPr/>
+      </p:nvGrpSpPr>
+      <p:grpSpPr>
+        <a:xfrm>
+          <a:off x="0" y="0"/>
+          <a:ext cx="0" cy="0"/>
+          <a:chOff x="0" y="0"/>
+          <a:chExt cx="0" cy="0"/>
+        </a:xfrm>
+      </p:grpSpPr>
+      <p:sp>
+        <p:nvSpPr>
+          <p:cNvPr id="4" name="Rectangle 2"/>
+          <p:cNvSpPr txBox="1">
+            <a:spLocks noChangeArrowheads="1"/>
+          </p:cNvSpPr>
+          <p:nvPr/>
+        </p:nvSpPr>
+        <p:spPr bwMode="auto">
+          <a:xfrm>
+            <a:off x="620713" y="334963"/>
+            <a:ext cx="6121400" cy="587375"/>
+          </a:xfrm>
+          <a:prstGeom prst="rect">
+            <a:avLst/>
+          </a:prstGeom>
+          <a:noFill/>
+          <a:ln>
+            <a:noFill/>
+          </a:ln>
+        </p:spPr>
+        <p:txBody>
+          <a:bodyPr lIns="0" tIns="0" rIns="0" bIns="0" anchor="ctr"/>
+          <a:lstStyle/>
+          <a:p>
+            <a:pPr lvl="0">
+              <a:lnSpc>
+                <a:spcPct val="93000"/>
+              </a:lnSpc>
+            </a:pPr>
+            <a:r>
+              <a:rPr lang="zh-CN" altLang="en-US" sz="2400" dirty="0">
+                <a:solidFill>
+                  <a:schemeClr val="tx1"/>
+                </a:solidFill>
+                <a:latin typeface="微软雅黑 Light" pitchFamily="34" charset="-122"/>
+                <a:ea typeface="微软雅黑 Light" pitchFamily="34" charset="-122"/>
+              </a:rPr>
+              <a:t>工作完成情况（二）</a:t>
+            </a:r>
+          </a:p>
+        </p:txBody>
+      </p:sp>
+      <p:sp>
+        <p:nvSpPr>
+          <p:cNvPr id="7" name="文本框 6"/>
+          <p:cNvSpPr txBox="1"/>
+          <p:nvPr/>
+        </p:nvSpPr>
+        <p:spPr>
+          <a:xfrm>
+            <a:off x="568960" y="1395095"/>
+            <a:ext cx="8768080" cy="6524863"/>
+          </a:xfrm>
+          <a:prstGeom prst="rect">
+            <a:avLst/>
+          </a:prstGeom>
+          <a:noFill/>
+        </p:spPr>
+        <p:txBody>
+          <a:bodyPr wrap="square" rtlCol="0">
+            <a:spAutoFit/>
+          </a:bodyPr>
+          <a:lstStyle/>
+          <a:p>
+            <a:r>
+              <a:rPr lang="en-US" altLang="zh-CN" sz="1800" dirty="0">
+                <a:solidFill>
+                  <a:srgbClr val="000000"/>
+                </a:solidFill>
+                <a:uFillTx/>
+              </a:rPr>
+              <a:t>BK-</a:t>
+            </a:r>
+            <a:r>
+              <a:rPr lang="en-US" altLang="zh-CN" sz="1800" dirty="0" err="1">
+                <a:solidFill>
+                  <a:srgbClr val="000000"/>
+                </a:solidFill>
+                <a:uFillTx/>
+              </a:rPr>
+              <a:t>ied</a:t>
+            </a:r>
+            <a:r>
+              <a:rPr lang="zh-CN" altLang="en-US" sz="1800" dirty="0">
+                <a:solidFill>
+                  <a:srgbClr val="000000"/>
+                </a:solidFill>
+                <a:uFillTx/>
+              </a:rPr>
+              <a:t>项目二期后台的开发工</a:t>
+            </a:r>
+            <a:r>
+              <a:rPr lang="zh-CN" altLang="en-US" sz="1800" dirty="0" smtClean="0">
+                <a:solidFill>
+                  <a:srgbClr val="000000"/>
+                </a:solidFill>
+                <a:uFillTx/>
+              </a:rPr>
+              <a:t>作</a:t>
+            </a:r>
+            <a:endParaRPr lang="en-US" altLang="zh-CN" sz="1800" dirty="0" smtClean="0">
+              <a:solidFill>
+                <a:srgbClr val="000000"/>
+              </a:solidFill>
+              <a:uFillTx/>
+            </a:endParaRPr>
+          </a:p>
+          <a:p>
+            <a:endParaRPr lang="zh-CN" altLang="en-US" sz="1800" b="0" dirty="0">
+              <a:solidFill>
+                <a:srgbClr val="000000"/>
+              </a:solidFill>
+              <a:uFillTx/>
+            </a:endParaRPr>
+          </a:p>
+          <a:p>
+            <a:pPr marL="800100" lvl="1" indent="-342900">
+              <a:buFont typeface="Wingdings" panose="05000000000000000000" charset="0"/>
+              <a:buChar char="Ø"/>
+            </a:pPr>
+            <a:r>
+              <a:rPr lang="zh-CN" altLang="en-US" sz="1800" dirty="0">
+                <a:solidFill>
+                  <a:srgbClr val="000000"/>
+                </a:solidFill>
+                <a:uFillTx/>
+              </a:rPr>
+              <a:t>移动端</a:t>
+            </a:r>
+          </a:p>
+          <a:p>
+            <a:pPr lvl="1">
+              <a:buFont typeface="Wingdings" panose="05000000000000000000" charset="0"/>
+            </a:pPr>
+            <a:endParaRPr lang="zh-CN" altLang="en-US" sz="1800" dirty="0">
+              <a:solidFill>
+                <a:srgbClr val="000000"/>
+              </a:solidFill>
+              <a:uFillTx/>
+            </a:endParaRPr>
+          </a:p>
+          <a:p>
+            <a:pPr marL="742950" lvl="1" indent="-285750">
+              <a:buFont typeface="Wingdings" panose="05000000000000000000" charset="0"/>
+              <a:buChar char="n"/>
+            </a:pPr>
+            <a:r>
+              <a:rPr lang="en-US" altLang="zh-CN" sz="1800" dirty="0">
+                <a:solidFill>
+                  <a:srgbClr val="000000"/>
+                </a:solidFill>
+                <a:uFillTx/>
+              </a:rPr>
+              <a:t>pad</a:t>
+            </a:r>
+            <a:r>
+              <a:rPr lang="zh-CN" altLang="en-US" sz="1800" dirty="0">
+                <a:solidFill>
+                  <a:srgbClr val="000000"/>
+                </a:solidFill>
+                <a:uFillTx/>
+              </a:rPr>
+              <a:t>端发送会</a:t>
+            </a:r>
+            <a:r>
+              <a:rPr lang="zh-CN" altLang="en-US" sz="1800" dirty="0" smtClean="0">
+                <a:solidFill>
+                  <a:srgbClr val="000000"/>
+                </a:solidFill>
+                <a:uFillTx/>
+              </a:rPr>
+              <a:t>诊</a:t>
+            </a:r>
+            <a:endParaRPr lang="en-US" altLang="zh-CN" sz="1800" dirty="0" smtClean="0">
+              <a:solidFill>
+                <a:srgbClr val="000000"/>
+              </a:solidFill>
+              <a:uFillTx/>
+            </a:endParaRPr>
+          </a:p>
+          <a:p>
+            <a:pPr marL="742950" lvl="1" indent="-285750">
+              <a:buFont typeface="Wingdings" panose="05000000000000000000" charset="0"/>
+              <a:buChar char="n"/>
+            </a:pPr>
+            <a:r>
+              <a:rPr lang="zh-CN" altLang="en-US" sz="1800" dirty="0" smtClean="0">
+                <a:solidFill>
+                  <a:srgbClr val="000000"/>
+                </a:solidFill>
+                <a:uFillTx/>
+              </a:rPr>
+              <a:t>取</a:t>
+            </a:r>
+            <a:r>
+              <a:rPr lang="zh-CN" altLang="en-US" sz="1800" dirty="0">
+                <a:solidFill>
+                  <a:srgbClr val="000000"/>
+                </a:solidFill>
+                <a:uFillTx/>
+              </a:rPr>
+              <a:t>消会</a:t>
+            </a:r>
+            <a:r>
+              <a:rPr lang="zh-CN" altLang="en-US" sz="1800" dirty="0" smtClean="0">
+                <a:solidFill>
+                  <a:srgbClr val="000000"/>
+                </a:solidFill>
+                <a:uFillTx/>
+              </a:rPr>
+              <a:t>诊</a:t>
+            </a:r>
+            <a:endParaRPr lang="en-US" altLang="zh-CN" sz="1800" dirty="0" smtClean="0">
+              <a:solidFill>
+                <a:srgbClr val="000000"/>
+              </a:solidFill>
+              <a:uFillTx/>
+            </a:endParaRPr>
+          </a:p>
+          <a:p>
+            <a:pPr marL="742950" lvl="1" indent="-285750">
+              <a:buFont typeface="Wingdings" panose="05000000000000000000" charset="0"/>
+              <a:buChar char="n"/>
+            </a:pPr>
+            <a:r>
+              <a:rPr lang="zh-CN" altLang="en-US" sz="1800" dirty="0" smtClean="0"/>
+              <a:t>病</a:t>
+            </a:r>
+            <a:r>
+              <a:rPr lang="zh-CN" altLang="en-US" sz="1800" dirty="0" smtClean="0"/>
+              <a:t>例交接</a:t>
+            </a:r>
+            <a:endParaRPr lang="en-US" altLang="zh-CN" sz="1800" dirty="0" smtClean="0">
+              <a:solidFill>
+                <a:srgbClr val="000000"/>
+              </a:solidFill>
+              <a:uFillTx/>
+            </a:endParaRPr>
+          </a:p>
+          <a:p>
+            <a:pPr marL="742950" lvl="1" indent="-285750">
+              <a:buFont typeface="Wingdings" panose="05000000000000000000" charset="0"/>
+              <a:buChar char="n"/>
+            </a:pPr>
+            <a:r>
+              <a:rPr lang="zh-CN" altLang="en-US" sz="1800" dirty="0" smtClean="0">
+                <a:solidFill>
+                  <a:srgbClr val="000000"/>
+                </a:solidFill>
+                <a:uFillTx/>
+              </a:rPr>
+              <a:t>结束</a:t>
+            </a:r>
+            <a:r>
+              <a:rPr lang="zh-CN" altLang="en-US" sz="1800" dirty="0" smtClean="0"/>
+              <a:t>病例</a:t>
+            </a:r>
+            <a:endParaRPr lang="en-US" altLang="zh-CN" sz="1800" dirty="0" smtClean="0"/>
+          </a:p>
+          <a:p>
+            <a:pPr marL="742950" lvl="1" indent="-285750">
+              <a:buFont typeface="Wingdings" panose="05000000000000000000" charset="0"/>
+              <a:buChar char="n"/>
+            </a:pPr>
+            <a:r>
+              <a:rPr lang="zh-CN" altLang="en-US" sz="1800" dirty="0" smtClean="0"/>
+              <a:t>发送经纬度坐标</a:t>
+            </a:r>
+            <a:endParaRPr lang="en-US" altLang="zh-CN" sz="1800" dirty="0" smtClean="0"/>
+          </a:p>
+          <a:p>
+            <a:pPr marL="742950" lvl="1" indent="-285750">
+              <a:buFont typeface="Wingdings" panose="05000000000000000000" charset="0"/>
+              <a:buChar char="n"/>
+            </a:pPr>
+            <a:r>
+              <a:rPr lang="zh-CN" altLang="en-US" sz="1800" dirty="0" smtClean="0">
+                <a:solidFill>
+                  <a:srgbClr val="000000"/>
+                </a:solidFill>
+                <a:uFillTx/>
+              </a:rPr>
+              <a:t>手机</a:t>
+            </a:r>
+            <a:r>
+              <a:rPr lang="zh-CN" altLang="en-US" sz="1800" dirty="0" smtClean="0">
+                <a:solidFill>
+                  <a:srgbClr val="000000"/>
+                </a:solidFill>
+                <a:uFillTx/>
+              </a:rPr>
+              <a:t>端获取经纬度，单点，多点</a:t>
+            </a:r>
+            <a:endParaRPr lang="zh-CN" altLang="en-US" sz="1800" dirty="0">
+              <a:solidFill>
+                <a:srgbClr val="000000"/>
+              </a:solidFill>
+              <a:uFillTx/>
+            </a:endParaRPr>
+          </a:p>
+          <a:p>
+            <a:pPr marL="742950" lvl="1" indent="-285750">
+              <a:buFont typeface="Wingdings" panose="05000000000000000000" charset="0"/>
+              <a:buChar char="n"/>
+            </a:pPr>
+            <a:r>
+              <a:rPr lang="zh-CN" altLang="en-US" sz="1800" dirty="0">
+                <a:solidFill>
+                  <a:srgbClr val="000000"/>
+                </a:solidFill>
+                <a:uFillTx/>
+              </a:rPr>
+              <a:t>手机端值班室接收会</a:t>
+            </a:r>
+            <a:r>
+              <a:rPr lang="zh-CN" altLang="en-US" sz="1800" dirty="0" smtClean="0">
+                <a:solidFill>
+                  <a:srgbClr val="000000"/>
+                </a:solidFill>
+                <a:uFillTx/>
+              </a:rPr>
+              <a:t>诊</a:t>
+            </a:r>
+            <a:endParaRPr lang="en-US" altLang="zh-CN" sz="1800" dirty="0" smtClean="0">
+              <a:solidFill>
+                <a:srgbClr val="000000"/>
+              </a:solidFill>
+              <a:uFillTx/>
+            </a:endParaRPr>
+          </a:p>
+          <a:p>
+            <a:pPr marL="742950" lvl="1" indent="-285750">
+              <a:buFont typeface="Wingdings" panose="05000000000000000000" charset="0"/>
+              <a:buChar char="n"/>
+            </a:pPr>
+            <a:r>
+              <a:rPr lang="zh-CN" altLang="en-US" sz="1800" dirty="0" smtClean="0">
+                <a:solidFill>
+                  <a:srgbClr val="000000"/>
+                </a:solidFill>
+                <a:uFillTx/>
+              </a:rPr>
+              <a:t>处</a:t>
+            </a:r>
+            <a:r>
+              <a:rPr lang="zh-CN" altLang="en-US" sz="1800" dirty="0">
+                <a:solidFill>
+                  <a:srgbClr val="000000"/>
+                </a:solidFill>
+                <a:uFillTx/>
+              </a:rPr>
+              <a:t>理会</a:t>
+            </a:r>
+            <a:r>
+              <a:rPr lang="zh-CN" altLang="en-US" sz="1800" dirty="0" smtClean="0">
+                <a:solidFill>
+                  <a:srgbClr val="000000"/>
+                </a:solidFill>
+                <a:uFillTx/>
+              </a:rPr>
+              <a:t>诊</a:t>
+            </a:r>
+            <a:endParaRPr lang="en-US" altLang="zh-CN" sz="1800" dirty="0" smtClean="0">
+              <a:solidFill>
+                <a:srgbClr val="000000"/>
+              </a:solidFill>
+              <a:uFillTx/>
+            </a:endParaRPr>
+          </a:p>
+          <a:p>
+            <a:pPr marL="742950" lvl="1" indent="-285750">
+              <a:buFont typeface="Wingdings" panose="05000000000000000000" charset="0"/>
+              <a:buChar char="n"/>
+            </a:pPr>
+            <a:r>
+              <a:rPr lang="zh-CN" altLang="en-US" sz="1800" dirty="0" smtClean="0">
+                <a:solidFill>
+                  <a:srgbClr val="000000"/>
+                </a:solidFill>
+                <a:uFillTx/>
+              </a:rPr>
+              <a:t>发</a:t>
+            </a:r>
+            <a:r>
+              <a:rPr lang="zh-CN" altLang="en-US" sz="1800" dirty="0">
+                <a:solidFill>
+                  <a:srgbClr val="000000"/>
+                </a:solidFill>
+                <a:uFillTx/>
+              </a:rPr>
+              <a:t>送结果推送给申请医</a:t>
+            </a:r>
+            <a:r>
+              <a:rPr lang="zh-CN" altLang="en-US" sz="1800" dirty="0" smtClean="0">
+                <a:solidFill>
+                  <a:srgbClr val="000000"/>
+                </a:solidFill>
+                <a:uFillTx/>
+              </a:rPr>
+              <a:t>生</a:t>
+            </a:r>
+            <a:endParaRPr lang="en-US" altLang="zh-CN" sz="1800" dirty="0" smtClean="0">
+              <a:solidFill>
+                <a:srgbClr val="000000"/>
+              </a:solidFill>
+              <a:uFillTx/>
+            </a:endParaRPr>
+          </a:p>
+          <a:p>
+            <a:pPr marL="742950" lvl="1" indent="-285750">
+              <a:buFont typeface="Wingdings" panose="05000000000000000000" charset="0"/>
+              <a:buChar char="n"/>
+            </a:pPr>
+            <a:r>
+              <a:rPr lang="zh-CN" altLang="en-US" sz="1800" dirty="0" smtClean="0">
+                <a:solidFill>
+                  <a:srgbClr val="000000"/>
+                </a:solidFill>
+                <a:uFillTx/>
+              </a:rPr>
+              <a:t>已</a:t>
+            </a:r>
+            <a:r>
+              <a:rPr lang="zh-CN" altLang="en-US" sz="1800" dirty="0">
+                <a:solidFill>
+                  <a:srgbClr val="000000"/>
+                </a:solidFill>
+                <a:uFillTx/>
+              </a:rPr>
+              <a:t>处理列表高线医生覆盖底线医生回</a:t>
+            </a:r>
+            <a:r>
+              <a:rPr lang="zh-CN" altLang="en-US" sz="1800" dirty="0" smtClean="0">
+                <a:solidFill>
+                  <a:srgbClr val="000000"/>
+                </a:solidFill>
+                <a:uFillTx/>
+              </a:rPr>
+              <a:t>复</a:t>
+            </a:r>
+            <a:endParaRPr lang="en-US" altLang="zh-CN" sz="1800" dirty="0" smtClean="0">
+              <a:solidFill>
+                <a:srgbClr val="000000"/>
+              </a:solidFill>
+              <a:uFillTx/>
+            </a:endParaRPr>
+          </a:p>
+          <a:p>
+            <a:pPr marL="742950" lvl="1" indent="-285750">
+              <a:buFont typeface="Wingdings" panose="05000000000000000000" charset="0"/>
+              <a:buChar char="n"/>
+            </a:pPr>
+            <a:r>
+              <a:rPr lang="zh-CN" altLang="en-US" sz="1800" dirty="0" smtClean="0">
+                <a:solidFill>
+                  <a:srgbClr val="000000"/>
+                </a:solidFill>
+                <a:uFillTx/>
+              </a:rPr>
+              <a:t>急</a:t>
+            </a:r>
+            <a:r>
+              <a:rPr lang="zh-CN" altLang="en-US" sz="1800" dirty="0">
+                <a:solidFill>
+                  <a:srgbClr val="000000"/>
+                </a:solidFill>
+                <a:uFillTx/>
+              </a:rPr>
+              <a:t>诊室，导管室时间轴数据上传接</a:t>
+            </a:r>
+            <a:r>
+              <a:rPr lang="zh-CN" altLang="en-US" sz="1800" dirty="0" smtClean="0">
+                <a:solidFill>
+                  <a:srgbClr val="000000"/>
+                </a:solidFill>
+                <a:uFillTx/>
+              </a:rPr>
+              <a:t>口</a:t>
+            </a:r>
+            <a:endParaRPr lang="en-US" altLang="zh-CN" sz="1800" dirty="0" smtClean="0">
+              <a:solidFill>
+                <a:srgbClr val="000000"/>
+              </a:solidFill>
+              <a:uFillTx/>
+            </a:endParaRPr>
+          </a:p>
+          <a:p>
+            <a:pPr marL="742950" lvl="1" indent="-285750">
+              <a:buFont typeface="Wingdings" panose="05000000000000000000" charset="0"/>
+              <a:buChar char="n"/>
+            </a:pPr>
+            <a:r>
+              <a:rPr lang="zh-CN" altLang="en-US" sz="1800" dirty="0" smtClean="0"/>
+              <a:t>值班</a:t>
+            </a:r>
+            <a:r>
+              <a:rPr lang="zh-CN" altLang="en-US" sz="1800" dirty="0" smtClean="0"/>
+              <a:t>室、急诊室、导管室已处理获取数据接口</a:t>
+            </a:r>
+            <a:endParaRPr lang="en-US" altLang="zh-CN" sz="1800" dirty="0" smtClean="0"/>
+          </a:p>
+          <a:p>
+            <a:pPr marL="742950" lvl="1" indent="-285750">
+              <a:buFont typeface="Wingdings" panose="05000000000000000000" charset="0"/>
+              <a:buChar char="n"/>
+            </a:pPr>
+            <a:r>
+              <a:rPr lang="zh-CN" altLang="en-US" sz="1800" dirty="0" smtClean="0">
+                <a:solidFill>
+                  <a:srgbClr val="000000"/>
+                </a:solidFill>
+                <a:uFillTx/>
+              </a:rPr>
+              <a:t>既往病</a:t>
+            </a:r>
+            <a:r>
+              <a:rPr lang="zh-CN" altLang="en-US" sz="1800" dirty="0" smtClean="0">
+                <a:solidFill>
+                  <a:srgbClr val="000000"/>
+                </a:solidFill>
+                <a:uFillTx/>
+              </a:rPr>
+              <a:t>例浏览接口</a:t>
+            </a:r>
+            <a:endParaRPr lang="en-US" altLang="zh-CN" sz="1800" dirty="0" smtClean="0">
+              <a:solidFill>
+                <a:srgbClr val="000000"/>
+              </a:solidFill>
+              <a:uFillTx/>
+            </a:endParaRPr>
+          </a:p>
+          <a:p>
+            <a:pPr marL="742950" lvl="1" indent="-285750"/>
+            <a:r>
+              <a:rPr lang="zh-CN" altLang="en-US" sz="1800" dirty="0">
+                <a:solidFill>
+                  <a:srgbClr val="000000"/>
+                </a:solidFill>
+                <a:uFillTx/>
+              </a:rPr>
+              <a:t/>
+            </a:r>
+            <a:br>
+              <a:rPr lang="zh-CN" altLang="en-US" sz="1800" dirty="0">
+                <a:solidFill>
+                  <a:srgbClr val="000000"/>
+                </a:solidFill>
+                <a:uFillTx/>
+              </a:rPr>
+            </a:br>
+            <a:r>
+              <a:rPr lang="zh-CN" altLang="en-US" sz="1800" dirty="0">
+                <a:solidFill>
+                  <a:srgbClr val="000000"/>
+                </a:solidFill>
+                <a:uFillTx/>
+              </a:rPr>
+              <a:t> </a:t>
+            </a:r>
+            <a:endParaRPr lang="en-US" altLang="zh-CN" sz="1800" dirty="0">
+              <a:solidFill>
+                <a:srgbClr val="000000"/>
+              </a:solidFill>
+              <a:uFillTx/>
+            </a:endParaRPr>
+          </a:p>
+          <a:p>
+            <a:pPr lvl="1">
+              <a:buFont typeface="Wingdings" panose="05000000000000000000" charset="0"/>
+            </a:pPr>
+            <a:endParaRPr lang="zh-CN" altLang="en-US" sz="1800" dirty="0">
+              <a:solidFill>
+                <a:srgbClr val="000000"/>
+              </a:solidFill>
+              <a:uFillTx/>
+            </a:endParaRPr>
+          </a:p>
+          <a:p>
+            <a:pPr marL="800100" lvl="1" indent="-342900">
+              <a:buFont typeface="Wingdings" panose="05000000000000000000" charset="0"/>
+              <a:buChar char="Ø"/>
+            </a:pPr>
+            <a:endParaRPr lang="zh-CN" altLang="en-US" sz="1800" dirty="0">
+              <a:solidFill>
+                <a:srgbClr val="000000"/>
+              </a:solidFill>
+              <a:uFillTx/>
+            </a:endParaRPr>
+          </a:p>
+          <a:p>
+            <a:pPr lvl="1">
+              <a:buFont typeface="Wingdings" panose="05000000000000000000" charset="0"/>
+            </a:pPr>
+            <a:endParaRPr lang="zh-CN" altLang="en-US" sz="1600" dirty="0">
+              <a:solidFill>
+                <a:srgbClr val="000000"/>
+              </a:solidFill>
+              <a:uFillTx/>
+            </a:endParaRPr>
+          </a:p>
+          <a:p>
+            <a:pPr lvl="1">
+              <a:buFont typeface="Wingdings" panose="05000000000000000000" charset="0"/>
+            </a:pPr>
+            <a:endParaRPr lang="zh-CN" altLang="en-US" sz="2400" dirty="0">
+              <a:solidFill>
+                <a:srgbClr val="000000"/>
+              </a:solidFill>
+              <a:uFillTx/>
+            </a:endParaRPr>
+          </a:p>
+        </p:txBody>
+      </p:sp>
+    </p:spTree>
+  </p:cSld>
+  <p:clrMapOvr>
+    <a:masterClrMapping/>
+  </p:clrMapOvr>
+  <p:timing>
+    <p:tnLst>
+      <p:par>
+        <p:cTn id="1" dur="indefinite" restart="never" nodeType="tmRoot"/>
+      </p:par>
+    </p:tnLst>
+  </p:timing>
 </p:sld>
 </file>
 
@@ -6035,7 +6523,7 @@
   </a:extraClrSchemeLst>
   <a:extLst>
     <a:ext uri="{05A4C25C-085E-4340-85A3-A5531E510DB2}">
-      <thm15:themeFamily xmlns:thm15="http://schemas.microsoft.com/office/thememl/2012/main" name="Office Theme" id="{62F939B6-93AF-4DB8-9C6B-D6C7DFDC589F}" vid="{4A3C46E8-61CC-4603-A589-7422A47A8E4A}"/>
+      <thm15:themeFamily xmlns:thm15="http://schemas.microsoft.com/office/thememl/2012/main" xmlns="" name="Office Theme" id="{62F939B6-93AF-4DB8-9C6B-D6C7DFDC589F}" vid="{4A3C46E8-61CC-4603-A589-7422A47A8E4A}"/>
     </a:ext>
   </a:extLst>
 </a:theme>
@@ -6323,7 +6811,7 @@
   <a:extraClrSchemeLst/>
   <a:extLst>
     <a:ext uri="{05A4C25C-085E-4340-85A3-A5531E510DB2}">
-      <thm15:themeFamily xmlns:thm15="http://schemas.microsoft.com/office/thememl/2012/main" name="Office Theme" id="{62F939B6-93AF-4DB8-9C6B-D6C7DFDC589F}" vid="{4A3C46E8-61CC-4603-A589-7422A47A8E4A}"/>
+      <thm15:themeFamily xmlns:thm15="http://schemas.microsoft.com/office/thememl/2012/main" xmlns="" name="Office Theme" id="{62F939B6-93AF-4DB8-9C6B-D6C7DFDC589F}" vid="{4A3C46E8-61CC-4603-A589-7422A47A8E4A}"/>
     </a:ext>
   </a:extLst>
 </a:theme>
@@ -6611,7 +7099,7 @@
   <a:extraClrSchemeLst/>
   <a:extLst>
     <a:ext uri="{05A4C25C-085E-4340-85A3-A5531E510DB2}">
-      <thm15:themeFamily xmlns:thm15="http://schemas.microsoft.com/office/thememl/2012/main" name="Office Theme" id="{62F939B6-93AF-4DB8-9C6B-D6C7DFDC589F}" vid="{4A3C46E8-61CC-4603-A589-7422A47A8E4A}"/>
+      <thm15:themeFamily xmlns:thm15="http://schemas.microsoft.com/office/thememl/2012/main" xmlns="" name="Office Theme" id="{62F939B6-93AF-4DB8-9C6B-D6C7DFDC589F}" vid="{4A3C46E8-61CC-4603-A589-7422A47A8E4A}"/>
     </a:ext>
   </a:extLst>
 </a:theme>
